--- a/PPT素材.pptx
+++ b/PPT素材.pptx
@@ -11,6 +11,8 @@
     <p:sldId id="260" r:id="rId5"/>
     <p:sldId id="261" r:id="rId6"/>
     <p:sldId id="262" r:id="rId7"/>
+    <p:sldId id="263" r:id="rId8"/>
+    <p:sldId id="264" r:id="rId9"/>
   </p:sldIdLst>
   <p:sldSz cx="9144000" cy="6858000" type="screen4x3"/>
   <p:notesSz cx="6858000" cy="9144000"/>
@@ -308,7 +310,7 @@
             <a:fld id="{530820CF-B880-4189-942D-D702A7CBA730}" type="datetimeFigureOut">
               <a:rPr lang="zh-CN" altLang="en-US" smtClean="0"/>
               <a:pPr/>
-              <a:t>2021/2/19</a:t>
+              <a:t>2021/2/26</a:t>
             </a:fld>
             <a:endParaRPr lang="zh-CN" altLang="en-US"/>
           </a:p>
@@ -473,7 +475,7 @@
             <a:fld id="{530820CF-B880-4189-942D-D702A7CBA730}" type="datetimeFigureOut">
               <a:rPr lang="zh-CN" altLang="en-US" smtClean="0"/>
               <a:pPr/>
-              <a:t>2021/2/19</a:t>
+              <a:t>2021/2/26</a:t>
             </a:fld>
             <a:endParaRPr lang="zh-CN" altLang="en-US"/>
           </a:p>
@@ -648,7 +650,7 @@
             <a:fld id="{530820CF-B880-4189-942D-D702A7CBA730}" type="datetimeFigureOut">
               <a:rPr lang="zh-CN" altLang="en-US" smtClean="0"/>
               <a:pPr/>
-              <a:t>2021/2/19</a:t>
+              <a:t>2021/2/26</a:t>
             </a:fld>
             <a:endParaRPr lang="zh-CN" altLang="en-US"/>
           </a:p>
@@ -813,7 +815,7 @@
             <a:fld id="{530820CF-B880-4189-942D-D702A7CBA730}" type="datetimeFigureOut">
               <a:rPr lang="zh-CN" altLang="en-US" smtClean="0"/>
               <a:pPr/>
-              <a:t>2021/2/19</a:t>
+              <a:t>2021/2/26</a:t>
             </a:fld>
             <a:endParaRPr lang="zh-CN" altLang="en-US"/>
           </a:p>
@@ -1055,7 +1057,7 @@
             <a:fld id="{530820CF-B880-4189-942D-D702A7CBA730}" type="datetimeFigureOut">
               <a:rPr lang="zh-CN" altLang="en-US" smtClean="0"/>
               <a:pPr/>
-              <a:t>2021/2/19</a:t>
+              <a:t>2021/2/26</a:t>
             </a:fld>
             <a:endParaRPr lang="zh-CN" altLang="en-US"/>
           </a:p>
@@ -1337,7 +1339,7 @@
             <a:fld id="{530820CF-B880-4189-942D-D702A7CBA730}" type="datetimeFigureOut">
               <a:rPr lang="zh-CN" altLang="en-US" smtClean="0"/>
               <a:pPr/>
-              <a:t>2021/2/19</a:t>
+              <a:t>2021/2/26</a:t>
             </a:fld>
             <a:endParaRPr lang="zh-CN" altLang="en-US"/>
           </a:p>
@@ -1753,7 +1755,7 @@
             <a:fld id="{530820CF-B880-4189-942D-D702A7CBA730}" type="datetimeFigureOut">
               <a:rPr lang="zh-CN" altLang="en-US" smtClean="0"/>
               <a:pPr/>
-              <a:t>2021/2/19</a:t>
+              <a:t>2021/2/26</a:t>
             </a:fld>
             <a:endParaRPr lang="zh-CN" altLang="en-US"/>
           </a:p>
@@ -1867,7 +1869,7 @@
             <a:fld id="{530820CF-B880-4189-942D-D702A7CBA730}" type="datetimeFigureOut">
               <a:rPr lang="zh-CN" altLang="en-US" smtClean="0"/>
               <a:pPr/>
-              <a:t>2021/2/19</a:t>
+              <a:t>2021/2/26</a:t>
             </a:fld>
             <a:endParaRPr lang="zh-CN" altLang="en-US"/>
           </a:p>
@@ -1959,7 +1961,7 @@
             <a:fld id="{530820CF-B880-4189-942D-D702A7CBA730}" type="datetimeFigureOut">
               <a:rPr lang="zh-CN" altLang="en-US" smtClean="0"/>
               <a:pPr/>
-              <a:t>2021/2/19</a:t>
+              <a:t>2021/2/26</a:t>
             </a:fld>
             <a:endParaRPr lang="zh-CN" altLang="en-US"/>
           </a:p>
@@ -2231,7 +2233,7 @@
             <a:fld id="{530820CF-B880-4189-942D-D702A7CBA730}" type="datetimeFigureOut">
               <a:rPr lang="zh-CN" altLang="en-US" smtClean="0"/>
               <a:pPr/>
-              <a:t>2021/2/19</a:t>
+              <a:t>2021/2/26</a:t>
             </a:fld>
             <a:endParaRPr lang="zh-CN" altLang="en-US"/>
           </a:p>
@@ -2480,7 +2482,7 @@
             <a:fld id="{530820CF-B880-4189-942D-D702A7CBA730}" type="datetimeFigureOut">
               <a:rPr lang="zh-CN" altLang="en-US" smtClean="0"/>
               <a:pPr/>
-              <a:t>2021/2/19</a:t>
+              <a:t>2021/2/26</a:t>
             </a:fld>
             <a:endParaRPr lang="zh-CN" altLang="en-US"/>
           </a:p>
@@ -2688,7 +2690,7 @@
             <a:fld id="{530820CF-B880-4189-942D-D702A7CBA730}" type="datetimeFigureOut">
               <a:rPr lang="zh-CN" altLang="en-US" smtClean="0"/>
               <a:pPr/>
-              <a:t>2021/2/19</a:t>
+              <a:t>2021/2/26</a:t>
             </a:fld>
             <a:endParaRPr lang="zh-CN" altLang="en-US"/>
           </a:p>
@@ -11788,6 +11790,2951 @@
           <a:chExt cx="0" cy="0"/>
         </a:xfrm>
       </p:grpSpPr>
+      <p:sp>
+        <p:nvSpPr>
+          <p:cNvPr id="2" name="矩形 1"/>
+          <p:cNvSpPr/>
+          <p:nvPr/>
+        </p:nvSpPr>
+        <p:spPr>
+          <a:xfrm>
+            <a:off x="971600" y="692696"/>
+            <a:ext cx="576064" cy="360040"/>
+          </a:xfrm>
+          <a:prstGeom prst="rect">
+            <a:avLst/>
+          </a:prstGeom>
+          <a:solidFill>
+            <a:schemeClr val="tx2">
+              <a:lumMod val="60000"/>
+              <a:lumOff val="40000"/>
+              <a:alpha val="46000"/>
+            </a:schemeClr>
+          </a:solidFill>
+        </p:spPr>
+        <p:style>
+          <a:lnRef idx="2">
+            <a:schemeClr val="accent1">
+              <a:shade val="50000"/>
+            </a:schemeClr>
+          </a:lnRef>
+          <a:fillRef idx="1">
+            <a:schemeClr val="accent1"/>
+          </a:fillRef>
+          <a:effectRef idx="0">
+            <a:schemeClr val="accent1"/>
+          </a:effectRef>
+          <a:fontRef idx="minor">
+            <a:schemeClr val="lt1"/>
+          </a:fontRef>
+        </p:style>
+        <p:txBody>
+          <a:bodyPr rtlCol="0" anchor="ctr"/>
+          <a:lstStyle/>
+          <a:p>
+            <a:pPr algn="ctr"/>
+            <a:r>
+              <a:rPr lang="en-US" altLang="zh-CN" dirty="0" smtClean="0">
+                <a:solidFill>
+                  <a:schemeClr val="tx1"/>
+                </a:solidFill>
+              </a:rPr>
+              <a:t>0x..</a:t>
+            </a:r>
+            <a:endParaRPr lang="zh-CN" altLang="en-US" dirty="0">
+              <a:solidFill>
+                <a:schemeClr val="tx1"/>
+              </a:solidFill>
+            </a:endParaRPr>
+          </a:p>
+        </p:txBody>
+      </p:sp>
+      <p:sp>
+        <p:nvSpPr>
+          <p:cNvPr id="3" name="文本框 2"/>
+          <p:cNvSpPr txBox="1"/>
+          <p:nvPr/>
+        </p:nvSpPr>
+        <p:spPr>
+          <a:xfrm>
+            <a:off x="899592" y="908720"/>
+            <a:ext cx="432048" cy="215444"/>
+          </a:xfrm>
+          <a:prstGeom prst="rect">
+            <a:avLst/>
+          </a:prstGeom>
+          <a:noFill/>
+        </p:spPr>
+        <p:txBody>
+          <a:bodyPr wrap="square" rtlCol="0">
+            <a:spAutoFit/>
+          </a:bodyPr>
+          <a:lstStyle/>
+          <a:p>
+            <a:r>
+              <a:rPr lang="en-US" altLang="zh-CN" sz="800" dirty="0" smtClean="0"/>
+              <a:t>array</a:t>
+            </a:r>
+            <a:endParaRPr lang="zh-CN" altLang="en-US" sz="800" dirty="0"/>
+          </a:p>
+        </p:txBody>
+      </p:sp>
+      <p:sp>
+        <p:nvSpPr>
+          <p:cNvPr id="6" name="矩形 5"/>
+          <p:cNvSpPr/>
+          <p:nvPr/>
+        </p:nvSpPr>
+        <p:spPr>
+          <a:xfrm>
+            <a:off x="971600" y="1052736"/>
+            <a:ext cx="576064" cy="360040"/>
+          </a:xfrm>
+          <a:prstGeom prst="rect">
+            <a:avLst/>
+          </a:prstGeom>
+          <a:solidFill>
+            <a:srgbClr val="FFFF00">
+              <a:alpha val="46000"/>
+            </a:srgbClr>
+          </a:solidFill>
+        </p:spPr>
+        <p:style>
+          <a:lnRef idx="2">
+            <a:schemeClr val="accent1">
+              <a:shade val="50000"/>
+            </a:schemeClr>
+          </a:lnRef>
+          <a:fillRef idx="1">
+            <a:schemeClr val="accent1"/>
+          </a:fillRef>
+          <a:effectRef idx="0">
+            <a:schemeClr val="accent1"/>
+          </a:effectRef>
+          <a:fontRef idx="minor">
+            <a:schemeClr val="lt1"/>
+          </a:fontRef>
+        </p:style>
+        <p:txBody>
+          <a:bodyPr rtlCol="0" anchor="ctr"/>
+          <a:lstStyle/>
+          <a:p>
+            <a:pPr algn="ctr"/>
+            <a:r>
+              <a:rPr lang="en-US" altLang="zh-CN" dirty="0" smtClean="0">
+                <a:solidFill>
+                  <a:schemeClr val="tx1"/>
+                </a:solidFill>
+              </a:rPr>
+              <a:t>4</a:t>
+            </a:r>
+            <a:endParaRPr lang="zh-CN" altLang="en-US" dirty="0">
+              <a:solidFill>
+                <a:schemeClr val="tx1"/>
+              </a:solidFill>
+            </a:endParaRPr>
+          </a:p>
+        </p:txBody>
+      </p:sp>
+      <p:sp>
+        <p:nvSpPr>
+          <p:cNvPr id="7" name="文本框 6"/>
+          <p:cNvSpPr txBox="1"/>
+          <p:nvPr/>
+        </p:nvSpPr>
+        <p:spPr>
+          <a:xfrm>
+            <a:off x="899592" y="1269340"/>
+            <a:ext cx="432048" cy="215444"/>
+          </a:xfrm>
+          <a:prstGeom prst="rect">
+            <a:avLst/>
+          </a:prstGeom>
+          <a:noFill/>
+        </p:spPr>
+        <p:txBody>
+          <a:bodyPr wrap="square" rtlCol="0">
+            <a:spAutoFit/>
+          </a:bodyPr>
+          <a:lstStyle/>
+          <a:p>
+            <a:r>
+              <a:rPr lang="en-US" altLang="zh-CN" sz="800" dirty="0" smtClean="0"/>
+              <a:t>len</a:t>
+            </a:r>
+            <a:endParaRPr lang="zh-CN" altLang="en-US" sz="800" dirty="0"/>
+          </a:p>
+        </p:txBody>
+      </p:sp>
+      <p:sp>
+        <p:nvSpPr>
+          <p:cNvPr id="8" name="矩形 7"/>
+          <p:cNvSpPr/>
+          <p:nvPr/>
+        </p:nvSpPr>
+        <p:spPr>
+          <a:xfrm>
+            <a:off x="971600" y="1412776"/>
+            <a:ext cx="576064" cy="360040"/>
+          </a:xfrm>
+          <a:prstGeom prst="rect">
+            <a:avLst/>
+          </a:prstGeom>
+          <a:solidFill>
+            <a:srgbClr val="B917A2">
+              <a:alpha val="45490"/>
+            </a:srgbClr>
+          </a:solidFill>
+        </p:spPr>
+        <p:style>
+          <a:lnRef idx="2">
+            <a:schemeClr val="accent1">
+              <a:shade val="50000"/>
+            </a:schemeClr>
+          </a:lnRef>
+          <a:fillRef idx="1">
+            <a:schemeClr val="accent1"/>
+          </a:fillRef>
+          <a:effectRef idx="0">
+            <a:schemeClr val="accent1"/>
+          </a:effectRef>
+          <a:fontRef idx="minor">
+            <a:schemeClr val="lt1"/>
+          </a:fontRef>
+        </p:style>
+        <p:txBody>
+          <a:bodyPr rtlCol="0" anchor="ctr"/>
+          <a:lstStyle/>
+          <a:p>
+            <a:pPr algn="ctr"/>
+            <a:r>
+              <a:rPr lang="en-US" altLang="zh-CN" dirty="0" smtClean="0">
+                <a:solidFill>
+                  <a:schemeClr val="tx1"/>
+                </a:solidFill>
+              </a:rPr>
+              <a:t>14</a:t>
+            </a:r>
+            <a:endParaRPr lang="zh-CN" altLang="en-US" dirty="0">
+              <a:solidFill>
+                <a:schemeClr val="tx1"/>
+              </a:solidFill>
+            </a:endParaRPr>
+          </a:p>
+        </p:txBody>
+      </p:sp>
+      <p:sp>
+        <p:nvSpPr>
+          <p:cNvPr id="9" name="文本框 8"/>
+          <p:cNvSpPr txBox="1"/>
+          <p:nvPr/>
+        </p:nvSpPr>
+        <p:spPr>
+          <a:xfrm>
+            <a:off x="899592" y="1629380"/>
+            <a:ext cx="432048" cy="215444"/>
+          </a:xfrm>
+          <a:prstGeom prst="rect">
+            <a:avLst/>
+          </a:prstGeom>
+          <a:noFill/>
+        </p:spPr>
+        <p:txBody>
+          <a:bodyPr wrap="square" rtlCol="0">
+            <a:spAutoFit/>
+          </a:bodyPr>
+          <a:lstStyle/>
+          <a:p>
+            <a:r>
+              <a:rPr lang="en-US" altLang="zh-CN" sz="800" dirty="0" smtClean="0"/>
+              <a:t>cap</a:t>
+            </a:r>
+            <a:endParaRPr lang="zh-CN" altLang="en-US" sz="800" dirty="0"/>
+          </a:p>
+        </p:txBody>
+      </p:sp>
+      <p:sp>
+        <p:nvSpPr>
+          <p:cNvPr id="10" name="矩形 9"/>
+          <p:cNvSpPr/>
+          <p:nvPr/>
+        </p:nvSpPr>
+        <p:spPr>
+          <a:xfrm>
+            <a:off x="1619672" y="1628800"/>
+            <a:ext cx="576064" cy="360040"/>
+          </a:xfrm>
+          <a:prstGeom prst="rect">
+            <a:avLst/>
+          </a:prstGeom>
+          <a:solidFill>
+            <a:schemeClr val="tx2">
+              <a:lumMod val="60000"/>
+              <a:lumOff val="40000"/>
+              <a:alpha val="46000"/>
+            </a:schemeClr>
+          </a:solidFill>
+        </p:spPr>
+        <p:style>
+          <a:lnRef idx="2">
+            <a:schemeClr val="accent1">
+              <a:shade val="50000"/>
+            </a:schemeClr>
+          </a:lnRef>
+          <a:fillRef idx="1">
+            <a:schemeClr val="accent1"/>
+          </a:fillRef>
+          <a:effectRef idx="0">
+            <a:schemeClr val="accent1"/>
+          </a:effectRef>
+          <a:fontRef idx="minor">
+            <a:schemeClr val="lt1"/>
+          </a:fontRef>
+        </p:style>
+        <p:txBody>
+          <a:bodyPr rtlCol="0" anchor="ctr"/>
+          <a:lstStyle/>
+          <a:p>
+            <a:pPr algn="ctr"/>
+            <a:r>
+              <a:rPr lang="en-US" altLang="zh-CN" dirty="0" smtClean="0">
+                <a:solidFill>
+                  <a:schemeClr val="tx1"/>
+                </a:solidFill>
+              </a:rPr>
+              <a:t>0x..</a:t>
+            </a:r>
+            <a:endParaRPr lang="zh-CN" altLang="en-US" dirty="0">
+              <a:solidFill>
+                <a:schemeClr val="tx1"/>
+              </a:solidFill>
+            </a:endParaRPr>
+          </a:p>
+        </p:txBody>
+      </p:sp>
+      <p:sp>
+        <p:nvSpPr>
+          <p:cNvPr id="11" name="文本框 10"/>
+          <p:cNvSpPr txBox="1"/>
+          <p:nvPr/>
+        </p:nvSpPr>
+        <p:spPr>
+          <a:xfrm>
+            <a:off x="1547664" y="1844824"/>
+            <a:ext cx="432048" cy="215444"/>
+          </a:xfrm>
+          <a:prstGeom prst="rect">
+            <a:avLst/>
+          </a:prstGeom>
+          <a:noFill/>
+        </p:spPr>
+        <p:txBody>
+          <a:bodyPr wrap="square" rtlCol="0">
+            <a:spAutoFit/>
+          </a:bodyPr>
+          <a:lstStyle/>
+          <a:p>
+            <a:r>
+              <a:rPr lang="en-US" altLang="zh-CN" sz="800" dirty="0" smtClean="0"/>
+              <a:t>array</a:t>
+            </a:r>
+            <a:endParaRPr lang="zh-CN" altLang="en-US" sz="800" dirty="0"/>
+          </a:p>
+        </p:txBody>
+      </p:sp>
+      <p:sp>
+        <p:nvSpPr>
+          <p:cNvPr id="12" name="矩形 11"/>
+          <p:cNvSpPr/>
+          <p:nvPr/>
+        </p:nvSpPr>
+        <p:spPr>
+          <a:xfrm>
+            <a:off x="1619672" y="1988840"/>
+            <a:ext cx="576064" cy="360040"/>
+          </a:xfrm>
+          <a:prstGeom prst="rect">
+            <a:avLst/>
+          </a:prstGeom>
+          <a:solidFill>
+            <a:srgbClr val="FFFF00">
+              <a:alpha val="46000"/>
+            </a:srgbClr>
+          </a:solidFill>
+        </p:spPr>
+        <p:style>
+          <a:lnRef idx="2">
+            <a:schemeClr val="accent1">
+              <a:shade val="50000"/>
+            </a:schemeClr>
+          </a:lnRef>
+          <a:fillRef idx="1">
+            <a:schemeClr val="accent1"/>
+          </a:fillRef>
+          <a:effectRef idx="0">
+            <a:schemeClr val="accent1"/>
+          </a:effectRef>
+          <a:fontRef idx="minor">
+            <a:schemeClr val="lt1"/>
+          </a:fontRef>
+        </p:style>
+        <p:txBody>
+          <a:bodyPr rtlCol="0" anchor="ctr"/>
+          <a:lstStyle/>
+          <a:p>
+            <a:pPr algn="ctr"/>
+            <a:r>
+              <a:rPr lang="en-US" altLang="zh-CN" dirty="0">
+                <a:solidFill>
+                  <a:schemeClr val="tx1"/>
+                </a:solidFill>
+              </a:rPr>
+              <a:t>9</a:t>
+            </a:r>
+            <a:endParaRPr lang="zh-CN" altLang="en-US" dirty="0">
+              <a:solidFill>
+                <a:schemeClr val="tx1"/>
+              </a:solidFill>
+            </a:endParaRPr>
+          </a:p>
+        </p:txBody>
+      </p:sp>
+      <p:sp>
+        <p:nvSpPr>
+          <p:cNvPr id="13" name="文本框 12"/>
+          <p:cNvSpPr txBox="1"/>
+          <p:nvPr/>
+        </p:nvSpPr>
+        <p:spPr>
+          <a:xfrm>
+            <a:off x="1547664" y="2205444"/>
+            <a:ext cx="432048" cy="215444"/>
+          </a:xfrm>
+          <a:prstGeom prst="rect">
+            <a:avLst/>
+          </a:prstGeom>
+          <a:noFill/>
+        </p:spPr>
+        <p:txBody>
+          <a:bodyPr wrap="square" rtlCol="0">
+            <a:spAutoFit/>
+          </a:bodyPr>
+          <a:lstStyle/>
+          <a:p>
+            <a:r>
+              <a:rPr lang="en-US" altLang="zh-CN" sz="800" dirty="0" smtClean="0"/>
+              <a:t>len</a:t>
+            </a:r>
+            <a:endParaRPr lang="zh-CN" altLang="en-US" sz="800" dirty="0"/>
+          </a:p>
+        </p:txBody>
+      </p:sp>
+      <p:sp>
+        <p:nvSpPr>
+          <p:cNvPr id="14" name="矩形 13"/>
+          <p:cNvSpPr/>
+          <p:nvPr/>
+        </p:nvSpPr>
+        <p:spPr>
+          <a:xfrm>
+            <a:off x="1619672" y="2348880"/>
+            <a:ext cx="576064" cy="360040"/>
+          </a:xfrm>
+          <a:prstGeom prst="rect">
+            <a:avLst/>
+          </a:prstGeom>
+          <a:solidFill>
+            <a:srgbClr val="B917A2">
+              <a:alpha val="45490"/>
+            </a:srgbClr>
+          </a:solidFill>
+        </p:spPr>
+        <p:style>
+          <a:lnRef idx="2">
+            <a:schemeClr val="accent1">
+              <a:shade val="50000"/>
+            </a:schemeClr>
+          </a:lnRef>
+          <a:fillRef idx="1">
+            <a:schemeClr val="accent1"/>
+          </a:fillRef>
+          <a:effectRef idx="0">
+            <a:schemeClr val="accent1"/>
+          </a:effectRef>
+          <a:fontRef idx="minor">
+            <a:schemeClr val="lt1"/>
+          </a:fontRef>
+        </p:style>
+        <p:txBody>
+          <a:bodyPr rtlCol="0" anchor="ctr"/>
+          <a:lstStyle/>
+          <a:p>
+            <a:pPr algn="ctr"/>
+            <a:r>
+              <a:rPr lang="en-US" altLang="zh-CN" dirty="0">
+                <a:solidFill>
+                  <a:schemeClr val="tx1"/>
+                </a:solidFill>
+              </a:rPr>
+              <a:t>9</a:t>
+            </a:r>
+            <a:endParaRPr lang="zh-CN" altLang="en-US" dirty="0">
+              <a:solidFill>
+                <a:schemeClr val="tx1"/>
+              </a:solidFill>
+            </a:endParaRPr>
+          </a:p>
+        </p:txBody>
+      </p:sp>
+      <p:sp>
+        <p:nvSpPr>
+          <p:cNvPr id="15" name="文本框 14"/>
+          <p:cNvSpPr txBox="1"/>
+          <p:nvPr/>
+        </p:nvSpPr>
+        <p:spPr>
+          <a:xfrm>
+            <a:off x="1547664" y="2565484"/>
+            <a:ext cx="432048" cy="215444"/>
+          </a:xfrm>
+          <a:prstGeom prst="rect">
+            <a:avLst/>
+          </a:prstGeom>
+          <a:noFill/>
+        </p:spPr>
+        <p:txBody>
+          <a:bodyPr wrap="square" rtlCol="0">
+            <a:spAutoFit/>
+          </a:bodyPr>
+          <a:lstStyle/>
+          <a:p>
+            <a:r>
+              <a:rPr lang="en-US" altLang="zh-CN" sz="800" dirty="0" smtClean="0"/>
+              <a:t>cap</a:t>
+            </a:r>
+            <a:endParaRPr lang="zh-CN" altLang="en-US" sz="800" dirty="0"/>
+          </a:p>
+        </p:txBody>
+      </p:sp>
+      <p:sp>
+        <p:nvSpPr>
+          <p:cNvPr id="16" name="文本框 15"/>
+          <p:cNvSpPr txBox="1"/>
+          <p:nvPr/>
+        </p:nvSpPr>
+        <p:spPr>
+          <a:xfrm>
+            <a:off x="1043608" y="476672"/>
+            <a:ext cx="504056" cy="276999"/>
+          </a:xfrm>
+          <a:prstGeom prst="rect">
+            <a:avLst/>
+          </a:prstGeom>
+          <a:noFill/>
+        </p:spPr>
+        <p:txBody>
+          <a:bodyPr wrap="square" rtlCol="0">
+            <a:spAutoFit/>
+          </a:bodyPr>
+          <a:lstStyle/>
+          <a:p>
+            <a:r>
+              <a:rPr lang="en-US" altLang="zh-CN" sz="1200" b="1" dirty="0" smtClean="0"/>
+              <a:t>dir1</a:t>
+            </a:r>
+          </a:p>
+        </p:txBody>
+      </p:sp>
+      <p:sp>
+        <p:nvSpPr>
+          <p:cNvPr id="17" name="文本框 16"/>
+          <p:cNvSpPr txBox="1"/>
+          <p:nvPr/>
+        </p:nvSpPr>
+        <p:spPr>
+          <a:xfrm>
+            <a:off x="1691680" y="1423809"/>
+            <a:ext cx="504056" cy="276999"/>
+          </a:xfrm>
+          <a:prstGeom prst="rect">
+            <a:avLst/>
+          </a:prstGeom>
+          <a:noFill/>
+        </p:spPr>
+        <p:txBody>
+          <a:bodyPr wrap="square" rtlCol="0">
+            <a:spAutoFit/>
+          </a:bodyPr>
+          <a:lstStyle/>
+          <a:p>
+            <a:r>
+              <a:rPr lang="en-US" altLang="zh-CN" sz="1200" b="1" dirty="0" smtClean="0"/>
+              <a:t>dir2</a:t>
+            </a:r>
+          </a:p>
+        </p:txBody>
+      </p:sp>
+      <p:sp>
+        <p:nvSpPr>
+          <p:cNvPr id="18" name="矩形 17"/>
+          <p:cNvSpPr/>
+          <p:nvPr/>
+        </p:nvSpPr>
+        <p:spPr>
+          <a:xfrm>
+            <a:off x="2339752" y="980728"/>
+            <a:ext cx="288032" cy="288032"/>
+          </a:xfrm>
+          <a:prstGeom prst="rect">
+            <a:avLst/>
+          </a:prstGeom>
+          <a:solidFill>
+            <a:srgbClr val="92D050">
+              <a:alpha val="46000"/>
+            </a:srgbClr>
+          </a:solidFill>
+        </p:spPr>
+        <p:style>
+          <a:lnRef idx="2">
+            <a:schemeClr val="accent1">
+              <a:shade val="50000"/>
+            </a:schemeClr>
+          </a:lnRef>
+          <a:fillRef idx="1">
+            <a:schemeClr val="accent1"/>
+          </a:fillRef>
+          <a:effectRef idx="0">
+            <a:schemeClr val="accent1"/>
+          </a:effectRef>
+          <a:fontRef idx="minor">
+            <a:schemeClr val="lt1"/>
+          </a:fontRef>
+        </p:style>
+        <p:txBody>
+          <a:bodyPr rtlCol="0" anchor="ctr"/>
+          <a:lstStyle/>
+          <a:p>
+            <a:pPr algn="ctr"/>
+            <a:r>
+              <a:rPr lang="en-US" altLang="zh-CN" sz="1500" dirty="0" smtClean="0">
+                <a:solidFill>
+                  <a:schemeClr val="tx1"/>
+                </a:solidFill>
+              </a:rPr>
+              <a:t>A</a:t>
+            </a:r>
+            <a:endParaRPr lang="zh-CN" altLang="en-US" sz="1500" dirty="0">
+              <a:solidFill>
+                <a:schemeClr val="tx1"/>
+              </a:solidFill>
+            </a:endParaRPr>
+          </a:p>
+        </p:txBody>
+      </p:sp>
+      <p:sp>
+        <p:nvSpPr>
+          <p:cNvPr id="20" name="矩形 19"/>
+          <p:cNvSpPr/>
+          <p:nvPr/>
+        </p:nvSpPr>
+        <p:spPr>
+          <a:xfrm>
+            <a:off x="2627784" y="980728"/>
+            <a:ext cx="288032" cy="288032"/>
+          </a:xfrm>
+          <a:prstGeom prst="rect">
+            <a:avLst/>
+          </a:prstGeom>
+          <a:solidFill>
+            <a:srgbClr val="92D050">
+              <a:alpha val="46000"/>
+            </a:srgbClr>
+          </a:solidFill>
+        </p:spPr>
+        <p:style>
+          <a:lnRef idx="2">
+            <a:schemeClr val="accent1">
+              <a:shade val="50000"/>
+            </a:schemeClr>
+          </a:lnRef>
+          <a:fillRef idx="1">
+            <a:schemeClr val="accent1"/>
+          </a:fillRef>
+          <a:effectRef idx="0">
+            <a:schemeClr val="accent1"/>
+          </a:effectRef>
+          <a:fontRef idx="minor">
+            <a:schemeClr val="lt1"/>
+          </a:fontRef>
+        </p:style>
+        <p:txBody>
+          <a:bodyPr rtlCol="0" anchor="ctr"/>
+          <a:lstStyle/>
+          <a:p>
+            <a:pPr algn="ctr"/>
+            <a:r>
+              <a:rPr lang="en-US" altLang="zh-CN" sz="1500" dirty="0" smtClean="0">
+                <a:solidFill>
+                  <a:schemeClr val="tx1"/>
+                </a:solidFill>
+              </a:rPr>
+              <a:t>A</a:t>
+            </a:r>
+            <a:endParaRPr lang="zh-CN" altLang="en-US" sz="1500" dirty="0">
+              <a:solidFill>
+                <a:schemeClr val="tx1"/>
+              </a:solidFill>
+            </a:endParaRPr>
+          </a:p>
+        </p:txBody>
+      </p:sp>
+      <p:sp>
+        <p:nvSpPr>
+          <p:cNvPr id="21" name="矩形 20"/>
+          <p:cNvSpPr/>
+          <p:nvPr/>
+        </p:nvSpPr>
+        <p:spPr>
+          <a:xfrm>
+            <a:off x="2915816" y="980728"/>
+            <a:ext cx="288032" cy="288032"/>
+          </a:xfrm>
+          <a:prstGeom prst="rect">
+            <a:avLst/>
+          </a:prstGeom>
+          <a:solidFill>
+            <a:srgbClr val="92D050">
+              <a:alpha val="46000"/>
+            </a:srgbClr>
+          </a:solidFill>
+        </p:spPr>
+        <p:style>
+          <a:lnRef idx="2">
+            <a:schemeClr val="accent1">
+              <a:shade val="50000"/>
+            </a:schemeClr>
+          </a:lnRef>
+          <a:fillRef idx="1">
+            <a:schemeClr val="accent1"/>
+          </a:fillRef>
+          <a:effectRef idx="0">
+            <a:schemeClr val="accent1"/>
+          </a:effectRef>
+          <a:fontRef idx="minor">
+            <a:schemeClr val="lt1"/>
+          </a:fontRef>
+        </p:style>
+        <p:txBody>
+          <a:bodyPr rtlCol="0" anchor="ctr"/>
+          <a:lstStyle/>
+          <a:p>
+            <a:pPr algn="ctr"/>
+            <a:r>
+              <a:rPr lang="en-US" altLang="zh-CN" sz="1500" dirty="0" smtClean="0">
+                <a:solidFill>
+                  <a:schemeClr val="tx1"/>
+                </a:solidFill>
+              </a:rPr>
+              <a:t>A</a:t>
+            </a:r>
+            <a:endParaRPr lang="zh-CN" altLang="en-US" sz="1500" dirty="0">
+              <a:solidFill>
+                <a:schemeClr val="tx1"/>
+              </a:solidFill>
+            </a:endParaRPr>
+          </a:p>
+        </p:txBody>
+      </p:sp>
+      <p:sp>
+        <p:nvSpPr>
+          <p:cNvPr id="22" name="矩形 21"/>
+          <p:cNvSpPr/>
+          <p:nvPr/>
+        </p:nvSpPr>
+        <p:spPr>
+          <a:xfrm>
+            <a:off x="3203848" y="980728"/>
+            <a:ext cx="288032" cy="288032"/>
+          </a:xfrm>
+          <a:prstGeom prst="rect">
+            <a:avLst/>
+          </a:prstGeom>
+          <a:solidFill>
+            <a:srgbClr val="92D050">
+              <a:alpha val="46000"/>
+            </a:srgbClr>
+          </a:solidFill>
+        </p:spPr>
+        <p:style>
+          <a:lnRef idx="2">
+            <a:schemeClr val="accent1">
+              <a:shade val="50000"/>
+            </a:schemeClr>
+          </a:lnRef>
+          <a:fillRef idx="1">
+            <a:schemeClr val="accent1"/>
+          </a:fillRef>
+          <a:effectRef idx="0">
+            <a:schemeClr val="accent1"/>
+          </a:effectRef>
+          <a:fontRef idx="minor">
+            <a:schemeClr val="lt1"/>
+          </a:fontRef>
+        </p:style>
+        <p:txBody>
+          <a:bodyPr rtlCol="0" anchor="ctr"/>
+          <a:lstStyle/>
+          <a:p>
+            <a:pPr algn="ctr"/>
+            <a:r>
+              <a:rPr lang="en-US" altLang="zh-CN" sz="1500" dirty="0" smtClean="0">
+                <a:solidFill>
+                  <a:schemeClr val="tx1"/>
+                </a:solidFill>
+              </a:rPr>
+              <a:t>A</a:t>
+            </a:r>
+            <a:endParaRPr lang="zh-CN" altLang="en-US" sz="1500" dirty="0">
+              <a:solidFill>
+                <a:schemeClr val="tx1"/>
+              </a:solidFill>
+            </a:endParaRPr>
+          </a:p>
+        </p:txBody>
+      </p:sp>
+      <p:sp>
+        <p:nvSpPr>
+          <p:cNvPr id="23" name="矩形 22"/>
+          <p:cNvSpPr/>
+          <p:nvPr/>
+        </p:nvSpPr>
+        <p:spPr>
+          <a:xfrm>
+            <a:off x="3491880" y="980728"/>
+            <a:ext cx="288032" cy="288032"/>
+          </a:xfrm>
+          <a:prstGeom prst="rect">
+            <a:avLst/>
+          </a:prstGeom>
+          <a:solidFill>
+            <a:schemeClr val="accent3">
+              <a:lumMod val="75000"/>
+              <a:alpha val="46000"/>
+            </a:schemeClr>
+          </a:solidFill>
+        </p:spPr>
+        <p:style>
+          <a:lnRef idx="2">
+            <a:schemeClr val="accent1">
+              <a:shade val="50000"/>
+            </a:schemeClr>
+          </a:lnRef>
+          <a:fillRef idx="1">
+            <a:schemeClr val="accent1"/>
+          </a:fillRef>
+          <a:effectRef idx="0">
+            <a:schemeClr val="accent1"/>
+          </a:effectRef>
+          <a:fontRef idx="minor">
+            <a:schemeClr val="lt1"/>
+          </a:fontRef>
+        </p:style>
+        <p:txBody>
+          <a:bodyPr rtlCol="0" anchor="ctr"/>
+          <a:lstStyle/>
+          <a:p>
+            <a:pPr algn="ctr"/>
+            <a:r>
+              <a:rPr lang="en-US" altLang="zh-CN" sz="1500" dirty="0">
+                <a:solidFill>
+                  <a:schemeClr val="tx1"/>
+                </a:solidFill>
+              </a:rPr>
+              <a:t>/</a:t>
+            </a:r>
+            <a:endParaRPr lang="zh-CN" altLang="en-US" sz="1500" dirty="0">
+              <a:solidFill>
+                <a:schemeClr val="tx1"/>
+              </a:solidFill>
+            </a:endParaRPr>
+          </a:p>
+        </p:txBody>
+      </p:sp>
+      <p:sp>
+        <p:nvSpPr>
+          <p:cNvPr id="24" name="矩形 23"/>
+          <p:cNvSpPr/>
+          <p:nvPr/>
+        </p:nvSpPr>
+        <p:spPr>
+          <a:xfrm>
+            <a:off x="3779912" y="980728"/>
+            <a:ext cx="288032" cy="288032"/>
+          </a:xfrm>
+          <a:prstGeom prst="rect">
+            <a:avLst/>
+          </a:prstGeom>
+          <a:solidFill>
+            <a:srgbClr val="00B050">
+              <a:alpha val="46000"/>
+            </a:srgbClr>
+          </a:solidFill>
+        </p:spPr>
+        <p:style>
+          <a:lnRef idx="2">
+            <a:schemeClr val="accent1">
+              <a:shade val="50000"/>
+            </a:schemeClr>
+          </a:lnRef>
+          <a:fillRef idx="1">
+            <a:schemeClr val="accent1"/>
+          </a:fillRef>
+          <a:effectRef idx="0">
+            <a:schemeClr val="accent1"/>
+          </a:effectRef>
+          <a:fontRef idx="minor">
+            <a:schemeClr val="lt1"/>
+          </a:fontRef>
+        </p:style>
+        <p:txBody>
+          <a:bodyPr rtlCol="0" anchor="ctr"/>
+          <a:lstStyle/>
+          <a:p>
+            <a:pPr algn="ctr"/>
+            <a:r>
+              <a:rPr lang="en-US" altLang="zh-CN" sz="1500" dirty="0">
+                <a:solidFill>
+                  <a:schemeClr val="tx1"/>
+                </a:solidFill>
+              </a:rPr>
+              <a:t>B</a:t>
+            </a:r>
+            <a:endParaRPr lang="zh-CN" altLang="en-US" sz="1500" dirty="0">
+              <a:solidFill>
+                <a:schemeClr val="tx1"/>
+              </a:solidFill>
+            </a:endParaRPr>
+          </a:p>
+        </p:txBody>
+      </p:sp>
+      <p:sp>
+        <p:nvSpPr>
+          <p:cNvPr id="29" name="矩形 28"/>
+          <p:cNvSpPr/>
+          <p:nvPr/>
+        </p:nvSpPr>
+        <p:spPr>
+          <a:xfrm>
+            <a:off x="4067944" y="980728"/>
+            <a:ext cx="288032" cy="288032"/>
+          </a:xfrm>
+          <a:prstGeom prst="rect">
+            <a:avLst/>
+          </a:prstGeom>
+          <a:solidFill>
+            <a:srgbClr val="00B050">
+              <a:alpha val="46000"/>
+            </a:srgbClr>
+          </a:solidFill>
+        </p:spPr>
+        <p:style>
+          <a:lnRef idx="2">
+            <a:schemeClr val="accent1">
+              <a:shade val="50000"/>
+            </a:schemeClr>
+          </a:lnRef>
+          <a:fillRef idx="1">
+            <a:schemeClr val="accent1"/>
+          </a:fillRef>
+          <a:effectRef idx="0">
+            <a:schemeClr val="accent1"/>
+          </a:effectRef>
+          <a:fontRef idx="minor">
+            <a:schemeClr val="lt1"/>
+          </a:fontRef>
+        </p:style>
+        <p:txBody>
+          <a:bodyPr rtlCol="0" anchor="ctr"/>
+          <a:lstStyle/>
+          <a:p>
+            <a:pPr algn="ctr"/>
+            <a:r>
+              <a:rPr lang="en-US" altLang="zh-CN" sz="1500" dirty="0">
+                <a:solidFill>
+                  <a:schemeClr val="tx1"/>
+                </a:solidFill>
+              </a:rPr>
+              <a:t>B</a:t>
+            </a:r>
+            <a:endParaRPr lang="zh-CN" altLang="en-US" sz="1500" dirty="0">
+              <a:solidFill>
+                <a:schemeClr val="tx1"/>
+              </a:solidFill>
+            </a:endParaRPr>
+          </a:p>
+        </p:txBody>
+      </p:sp>
+      <p:sp>
+        <p:nvSpPr>
+          <p:cNvPr id="30" name="矩形 29"/>
+          <p:cNvSpPr/>
+          <p:nvPr/>
+        </p:nvSpPr>
+        <p:spPr>
+          <a:xfrm>
+            <a:off x="4355976" y="980728"/>
+            <a:ext cx="288032" cy="288032"/>
+          </a:xfrm>
+          <a:prstGeom prst="rect">
+            <a:avLst/>
+          </a:prstGeom>
+          <a:solidFill>
+            <a:srgbClr val="00B050">
+              <a:alpha val="46000"/>
+            </a:srgbClr>
+          </a:solidFill>
+        </p:spPr>
+        <p:style>
+          <a:lnRef idx="2">
+            <a:schemeClr val="accent1">
+              <a:shade val="50000"/>
+            </a:schemeClr>
+          </a:lnRef>
+          <a:fillRef idx="1">
+            <a:schemeClr val="accent1"/>
+          </a:fillRef>
+          <a:effectRef idx="0">
+            <a:schemeClr val="accent1"/>
+          </a:effectRef>
+          <a:fontRef idx="minor">
+            <a:schemeClr val="lt1"/>
+          </a:fontRef>
+        </p:style>
+        <p:txBody>
+          <a:bodyPr rtlCol="0" anchor="ctr"/>
+          <a:lstStyle/>
+          <a:p>
+            <a:pPr algn="ctr"/>
+            <a:r>
+              <a:rPr lang="en-US" altLang="zh-CN" sz="1500" dirty="0">
+                <a:solidFill>
+                  <a:schemeClr val="tx1"/>
+                </a:solidFill>
+              </a:rPr>
+              <a:t>B</a:t>
+            </a:r>
+            <a:endParaRPr lang="zh-CN" altLang="en-US" sz="1500" dirty="0">
+              <a:solidFill>
+                <a:schemeClr val="tx1"/>
+              </a:solidFill>
+            </a:endParaRPr>
+          </a:p>
+        </p:txBody>
+      </p:sp>
+      <p:sp>
+        <p:nvSpPr>
+          <p:cNvPr id="31" name="矩形 30"/>
+          <p:cNvSpPr/>
+          <p:nvPr/>
+        </p:nvSpPr>
+        <p:spPr>
+          <a:xfrm>
+            <a:off x="4644008" y="980728"/>
+            <a:ext cx="288032" cy="288032"/>
+          </a:xfrm>
+          <a:prstGeom prst="rect">
+            <a:avLst/>
+          </a:prstGeom>
+          <a:solidFill>
+            <a:srgbClr val="00B050">
+              <a:alpha val="46000"/>
+            </a:srgbClr>
+          </a:solidFill>
+        </p:spPr>
+        <p:style>
+          <a:lnRef idx="2">
+            <a:schemeClr val="accent1">
+              <a:shade val="50000"/>
+            </a:schemeClr>
+          </a:lnRef>
+          <a:fillRef idx="1">
+            <a:schemeClr val="accent1"/>
+          </a:fillRef>
+          <a:effectRef idx="0">
+            <a:schemeClr val="accent1"/>
+          </a:effectRef>
+          <a:fontRef idx="minor">
+            <a:schemeClr val="lt1"/>
+          </a:fontRef>
+        </p:style>
+        <p:txBody>
+          <a:bodyPr rtlCol="0" anchor="ctr"/>
+          <a:lstStyle/>
+          <a:p>
+            <a:pPr algn="ctr"/>
+            <a:r>
+              <a:rPr lang="en-US" altLang="zh-CN" sz="1500" dirty="0">
+                <a:solidFill>
+                  <a:schemeClr val="tx1"/>
+                </a:solidFill>
+              </a:rPr>
+              <a:t>B</a:t>
+            </a:r>
+            <a:endParaRPr lang="zh-CN" altLang="en-US" sz="1500" dirty="0">
+              <a:solidFill>
+                <a:schemeClr val="tx1"/>
+              </a:solidFill>
+            </a:endParaRPr>
+          </a:p>
+        </p:txBody>
+      </p:sp>
+      <p:sp>
+        <p:nvSpPr>
+          <p:cNvPr id="32" name="矩形 31"/>
+          <p:cNvSpPr/>
+          <p:nvPr/>
+        </p:nvSpPr>
+        <p:spPr>
+          <a:xfrm>
+            <a:off x="4932040" y="980728"/>
+            <a:ext cx="288032" cy="288032"/>
+          </a:xfrm>
+          <a:prstGeom prst="rect">
+            <a:avLst/>
+          </a:prstGeom>
+          <a:solidFill>
+            <a:srgbClr val="00B050">
+              <a:alpha val="46000"/>
+            </a:srgbClr>
+          </a:solidFill>
+        </p:spPr>
+        <p:style>
+          <a:lnRef idx="2">
+            <a:schemeClr val="accent1">
+              <a:shade val="50000"/>
+            </a:schemeClr>
+          </a:lnRef>
+          <a:fillRef idx="1">
+            <a:schemeClr val="accent1"/>
+          </a:fillRef>
+          <a:effectRef idx="0">
+            <a:schemeClr val="accent1"/>
+          </a:effectRef>
+          <a:fontRef idx="minor">
+            <a:schemeClr val="lt1"/>
+          </a:fontRef>
+        </p:style>
+        <p:txBody>
+          <a:bodyPr rtlCol="0" anchor="ctr"/>
+          <a:lstStyle/>
+          <a:p>
+            <a:pPr algn="ctr"/>
+            <a:r>
+              <a:rPr lang="en-US" altLang="zh-CN" sz="1500" dirty="0">
+                <a:solidFill>
+                  <a:schemeClr val="tx1"/>
+                </a:solidFill>
+              </a:rPr>
+              <a:t>B</a:t>
+            </a:r>
+            <a:endParaRPr lang="zh-CN" altLang="en-US" sz="1500" dirty="0">
+              <a:solidFill>
+                <a:schemeClr val="tx1"/>
+              </a:solidFill>
+            </a:endParaRPr>
+          </a:p>
+        </p:txBody>
+      </p:sp>
+      <p:sp>
+        <p:nvSpPr>
+          <p:cNvPr id="33" name="矩形 32"/>
+          <p:cNvSpPr/>
+          <p:nvPr/>
+        </p:nvSpPr>
+        <p:spPr>
+          <a:xfrm>
+            <a:off x="5220072" y="980728"/>
+            <a:ext cx="288032" cy="288032"/>
+          </a:xfrm>
+          <a:prstGeom prst="rect">
+            <a:avLst/>
+          </a:prstGeom>
+          <a:solidFill>
+            <a:srgbClr val="00B050">
+              <a:alpha val="46000"/>
+            </a:srgbClr>
+          </a:solidFill>
+        </p:spPr>
+        <p:style>
+          <a:lnRef idx="2">
+            <a:schemeClr val="accent1">
+              <a:shade val="50000"/>
+            </a:schemeClr>
+          </a:lnRef>
+          <a:fillRef idx="1">
+            <a:schemeClr val="accent1"/>
+          </a:fillRef>
+          <a:effectRef idx="0">
+            <a:schemeClr val="accent1"/>
+          </a:effectRef>
+          <a:fontRef idx="minor">
+            <a:schemeClr val="lt1"/>
+          </a:fontRef>
+        </p:style>
+        <p:txBody>
+          <a:bodyPr rtlCol="0" anchor="ctr"/>
+          <a:lstStyle/>
+          <a:p>
+            <a:pPr algn="ctr"/>
+            <a:r>
+              <a:rPr lang="en-US" altLang="zh-CN" sz="1500" dirty="0">
+                <a:solidFill>
+                  <a:schemeClr val="tx1"/>
+                </a:solidFill>
+              </a:rPr>
+              <a:t>B</a:t>
+            </a:r>
+            <a:endParaRPr lang="zh-CN" altLang="en-US" sz="1500" dirty="0">
+              <a:solidFill>
+                <a:schemeClr val="tx1"/>
+              </a:solidFill>
+            </a:endParaRPr>
+          </a:p>
+        </p:txBody>
+      </p:sp>
+      <p:sp>
+        <p:nvSpPr>
+          <p:cNvPr id="34" name="矩形 33"/>
+          <p:cNvSpPr/>
+          <p:nvPr/>
+        </p:nvSpPr>
+        <p:spPr>
+          <a:xfrm>
+            <a:off x="5508104" y="980728"/>
+            <a:ext cx="288032" cy="288032"/>
+          </a:xfrm>
+          <a:prstGeom prst="rect">
+            <a:avLst/>
+          </a:prstGeom>
+          <a:solidFill>
+            <a:srgbClr val="00B050">
+              <a:alpha val="46000"/>
+            </a:srgbClr>
+          </a:solidFill>
+        </p:spPr>
+        <p:style>
+          <a:lnRef idx="2">
+            <a:schemeClr val="accent1">
+              <a:shade val="50000"/>
+            </a:schemeClr>
+          </a:lnRef>
+          <a:fillRef idx="1">
+            <a:schemeClr val="accent1"/>
+          </a:fillRef>
+          <a:effectRef idx="0">
+            <a:schemeClr val="accent1"/>
+          </a:effectRef>
+          <a:fontRef idx="minor">
+            <a:schemeClr val="lt1"/>
+          </a:fontRef>
+        </p:style>
+        <p:txBody>
+          <a:bodyPr rtlCol="0" anchor="ctr"/>
+          <a:lstStyle/>
+          <a:p>
+            <a:pPr algn="ctr"/>
+            <a:r>
+              <a:rPr lang="en-US" altLang="zh-CN" sz="1500" dirty="0">
+                <a:solidFill>
+                  <a:schemeClr val="tx1"/>
+                </a:solidFill>
+              </a:rPr>
+              <a:t>B</a:t>
+            </a:r>
+            <a:endParaRPr lang="zh-CN" altLang="en-US" sz="1500" dirty="0">
+              <a:solidFill>
+                <a:schemeClr val="tx1"/>
+              </a:solidFill>
+            </a:endParaRPr>
+          </a:p>
+        </p:txBody>
+      </p:sp>
+      <p:sp>
+        <p:nvSpPr>
+          <p:cNvPr id="35" name="矩形 34"/>
+          <p:cNvSpPr/>
+          <p:nvPr/>
+        </p:nvSpPr>
+        <p:spPr>
+          <a:xfrm>
+            <a:off x="5796136" y="980728"/>
+            <a:ext cx="288032" cy="288032"/>
+          </a:xfrm>
+          <a:prstGeom prst="rect">
+            <a:avLst/>
+          </a:prstGeom>
+          <a:solidFill>
+            <a:srgbClr val="00B050">
+              <a:alpha val="46000"/>
+            </a:srgbClr>
+          </a:solidFill>
+        </p:spPr>
+        <p:style>
+          <a:lnRef idx="2">
+            <a:schemeClr val="accent1">
+              <a:shade val="50000"/>
+            </a:schemeClr>
+          </a:lnRef>
+          <a:fillRef idx="1">
+            <a:schemeClr val="accent1"/>
+          </a:fillRef>
+          <a:effectRef idx="0">
+            <a:schemeClr val="accent1"/>
+          </a:effectRef>
+          <a:fontRef idx="minor">
+            <a:schemeClr val="lt1"/>
+          </a:fontRef>
+        </p:style>
+        <p:txBody>
+          <a:bodyPr rtlCol="0" anchor="ctr"/>
+          <a:lstStyle/>
+          <a:p>
+            <a:pPr algn="ctr"/>
+            <a:r>
+              <a:rPr lang="en-US" altLang="zh-CN" sz="1500" dirty="0">
+                <a:solidFill>
+                  <a:schemeClr val="tx1"/>
+                </a:solidFill>
+              </a:rPr>
+              <a:t>B</a:t>
+            </a:r>
+            <a:endParaRPr lang="zh-CN" altLang="en-US" sz="1500" dirty="0">
+              <a:solidFill>
+                <a:schemeClr val="tx1"/>
+              </a:solidFill>
+            </a:endParaRPr>
+          </a:p>
+        </p:txBody>
+      </p:sp>
+      <p:sp>
+        <p:nvSpPr>
+          <p:cNvPr id="36" name="矩形 35"/>
+          <p:cNvSpPr/>
+          <p:nvPr/>
+        </p:nvSpPr>
+        <p:spPr>
+          <a:xfrm>
+            <a:off x="6084168" y="980728"/>
+            <a:ext cx="288032" cy="288032"/>
+          </a:xfrm>
+          <a:prstGeom prst="rect">
+            <a:avLst/>
+          </a:prstGeom>
+          <a:solidFill>
+            <a:srgbClr val="00B050">
+              <a:alpha val="46000"/>
+            </a:srgbClr>
+          </a:solidFill>
+        </p:spPr>
+        <p:style>
+          <a:lnRef idx="2">
+            <a:schemeClr val="accent1">
+              <a:shade val="50000"/>
+            </a:schemeClr>
+          </a:lnRef>
+          <a:fillRef idx="1">
+            <a:schemeClr val="accent1"/>
+          </a:fillRef>
+          <a:effectRef idx="0">
+            <a:schemeClr val="accent1"/>
+          </a:effectRef>
+          <a:fontRef idx="minor">
+            <a:schemeClr val="lt1"/>
+          </a:fontRef>
+        </p:style>
+        <p:txBody>
+          <a:bodyPr rtlCol="0" anchor="ctr"/>
+          <a:lstStyle/>
+          <a:p>
+            <a:pPr algn="ctr"/>
+            <a:r>
+              <a:rPr lang="en-US" altLang="zh-CN" sz="1500" dirty="0">
+                <a:solidFill>
+                  <a:schemeClr val="tx1"/>
+                </a:solidFill>
+              </a:rPr>
+              <a:t>B</a:t>
+            </a:r>
+            <a:endParaRPr lang="zh-CN" altLang="en-US" sz="1500" dirty="0">
+              <a:solidFill>
+                <a:schemeClr val="tx1"/>
+              </a:solidFill>
+            </a:endParaRPr>
+          </a:p>
+        </p:txBody>
+      </p:sp>
+      <p:cxnSp>
+        <p:nvCxnSpPr>
+          <p:cNvPr id="37" name="直接箭头连接符 36">
+            <a:extLst>
+              <a:ext uri="{FF2B5EF4-FFF2-40B4-BE49-F238E27FC236}">
+                <a16:creationId xmlns:a16="http://schemas.microsoft.com/office/drawing/2014/main" id="{0CF0D916-C7E9-46FC-90AF-7EC0773FEB44}"/>
+              </a:ext>
+            </a:extLst>
+          </p:cNvPr>
+          <p:cNvCxnSpPr>
+            <a:cxnSpLocks/>
+            <a:endCxn id="18" idx="1"/>
+          </p:cNvCxnSpPr>
+          <p:nvPr/>
+        </p:nvCxnSpPr>
+        <p:spPr>
+          <a:xfrm>
+            <a:off x="1562082" y="913314"/>
+            <a:ext cx="777670" cy="211430"/>
+          </a:xfrm>
+          <a:prstGeom prst="straightConnector1">
+            <a:avLst/>
+          </a:prstGeom>
+          <a:ln w="12700">
+            <a:solidFill>
+              <a:schemeClr val="tx1"/>
+            </a:solidFill>
+            <a:tailEnd type="triangle"/>
+          </a:ln>
+        </p:spPr>
+        <p:style>
+          <a:lnRef idx="1">
+            <a:schemeClr val="accent1"/>
+          </a:lnRef>
+          <a:fillRef idx="0">
+            <a:schemeClr val="accent1"/>
+          </a:fillRef>
+          <a:effectRef idx="0">
+            <a:schemeClr val="accent1"/>
+          </a:effectRef>
+          <a:fontRef idx="minor">
+            <a:schemeClr val="tx1"/>
+          </a:fontRef>
+        </p:style>
+      </p:cxnSp>
+      <p:cxnSp>
+        <p:nvCxnSpPr>
+          <p:cNvPr id="40" name="直接箭头连接符 39">
+            <a:extLst>
+              <a:ext uri="{FF2B5EF4-FFF2-40B4-BE49-F238E27FC236}">
+                <a16:creationId xmlns:a16="http://schemas.microsoft.com/office/drawing/2014/main" id="{0CF0D916-C7E9-46FC-90AF-7EC0773FEB44}"/>
+              </a:ext>
+            </a:extLst>
+          </p:cNvPr>
+          <p:cNvCxnSpPr>
+            <a:cxnSpLocks/>
+            <a:endCxn id="24" idx="2"/>
+          </p:cNvCxnSpPr>
+          <p:nvPr/>
+        </p:nvCxnSpPr>
+        <p:spPr>
+          <a:xfrm flipV="1">
+            <a:off x="2195736" y="1268760"/>
+            <a:ext cx="1728192" cy="540060"/>
+          </a:xfrm>
+          <a:prstGeom prst="straightConnector1">
+            <a:avLst/>
+          </a:prstGeom>
+          <a:ln w="12700">
+            <a:solidFill>
+              <a:schemeClr val="tx1"/>
+            </a:solidFill>
+            <a:tailEnd type="triangle"/>
+          </a:ln>
+        </p:spPr>
+        <p:style>
+          <a:lnRef idx="1">
+            <a:schemeClr val="accent1"/>
+          </a:lnRef>
+          <a:fillRef idx="0">
+            <a:schemeClr val="accent1"/>
+          </a:fillRef>
+          <a:effectRef idx="0">
+            <a:schemeClr val="accent1"/>
+          </a:effectRef>
+          <a:fontRef idx="minor">
+            <a:schemeClr val="tx1"/>
+          </a:fontRef>
+        </p:style>
+      </p:cxnSp>
+      <p:sp>
+        <p:nvSpPr>
+          <p:cNvPr id="42" name="矩形 41"/>
+          <p:cNvSpPr/>
+          <p:nvPr/>
+        </p:nvSpPr>
+        <p:spPr>
+          <a:xfrm>
+            <a:off x="971600" y="2996952"/>
+            <a:ext cx="576064" cy="360040"/>
+          </a:xfrm>
+          <a:prstGeom prst="rect">
+            <a:avLst/>
+          </a:prstGeom>
+          <a:solidFill>
+            <a:schemeClr val="tx2">
+              <a:lumMod val="60000"/>
+              <a:lumOff val="40000"/>
+              <a:alpha val="46000"/>
+            </a:schemeClr>
+          </a:solidFill>
+        </p:spPr>
+        <p:style>
+          <a:lnRef idx="2">
+            <a:schemeClr val="accent1">
+              <a:shade val="50000"/>
+            </a:schemeClr>
+          </a:lnRef>
+          <a:fillRef idx="1">
+            <a:schemeClr val="accent1"/>
+          </a:fillRef>
+          <a:effectRef idx="0">
+            <a:schemeClr val="accent1"/>
+          </a:effectRef>
+          <a:fontRef idx="minor">
+            <a:schemeClr val="lt1"/>
+          </a:fontRef>
+        </p:style>
+        <p:txBody>
+          <a:bodyPr rtlCol="0" anchor="ctr"/>
+          <a:lstStyle/>
+          <a:p>
+            <a:pPr algn="ctr"/>
+            <a:r>
+              <a:rPr lang="en-US" altLang="zh-CN" dirty="0" smtClean="0">
+                <a:solidFill>
+                  <a:schemeClr val="tx1"/>
+                </a:solidFill>
+              </a:rPr>
+              <a:t>0x..</a:t>
+            </a:r>
+            <a:endParaRPr lang="zh-CN" altLang="en-US" dirty="0">
+              <a:solidFill>
+                <a:schemeClr val="tx1"/>
+              </a:solidFill>
+            </a:endParaRPr>
+          </a:p>
+        </p:txBody>
+      </p:sp>
+      <p:sp>
+        <p:nvSpPr>
+          <p:cNvPr id="43" name="文本框 42"/>
+          <p:cNvSpPr txBox="1"/>
+          <p:nvPr/>
+        </p:nvSpPr>
+        <p:spPr>
+          <a:xfrm>
+            <a:off x="899592" y="3212976"/>
+            <a:ext cx="432048" cy="215444"/>
+          </a:xfrm>
+          <a:prstGeom prst="rect">
+            <a:avLst/>
+          </a:prstGeom>
+          <a:noFill/>
+        </p:spPr>
+        <p:txBody>
+          <a:bodyPr wrap="square" rtlCol="0">
+            <a:spAutoFit/>
+          </a:bodyPr>
+          <a:lstStyle/>
+          <a:p>
+            <a:r>
+              <a:rPr lang="en-US" altLang="zh-CN" sz="800" dirty="0" smtClean="0"/>
+              <a:t>array</a:t>
+            </a:r>
+            <a:endParaRPr lang="zh-CN" altLang="en-US" sz="800" dirty="0"/>
+          </a:p>
+        </p:txBody>
+      </p:sp>
+      <p:sp>
+        <p:nvSpPr>
+          <p:cNvPr id="44" name="矩形 43"/>
+          <p:cNvSpPr/>
+          <p:nvPr/>
+        </p:nvSpPr>
+        <p:spPr>
+          <a:xfrm>
+            <a:off x="971600" y="3356992"/>
+            <a:ext cx="576064" cy="360040"/>
+          </a:xfrm>
+          <a:prstGeom prst="rect">
+            <a:avLst/>
+          </a:prstGeom>
+          <a:solidFill>
+            <a:srgbClr val="FFFF00">
+              <a:alpha val="46000"/>
+            </a:srgbClr>
+          </a:solidFill>
+        </p:spPr>
+        <p:style>
+          <a:lnRef idx="2">
+            <a:schemeClr val="accent1">
+              <a:shade val="50000"/>
+            </a:schemeClr>
+          </a:lnRef>
+          <a:fillRef idx="1">
+            <a:schemeClr val="accent1"/>
+          </a:fillRef>
+          <a:effectRef idx="0">
+            <a:schemeClr val="accent1"/>
+          </a:effectRef>
+          <a:fontRef idx="minor">
+            <a:schemeClr val="lt1"/>
+          </a:fontRef>
+        </p:style>
+        <p:txBody>
+          <a:bodyPr rtlCol="0" anchor="ctr"/>
+          <a:lstStyle/>
+          <a:p>
+            <a:pPr algn="ctr"/>
+            <a:r>
+              <a:rPr lang="en-US" altLang="zh-CN" dirty="0" smtClean="0">
+                <a:solidFill>
+                  <a:schemeClr val="tx1"/>
+                </a:solidFill>
+              </a:rPr>
+              <a:t>10</a:t>
+            </a:r>
+            <a:endParaRPr lang="zh-CN" altLang="en-US" dirty="0">
+              <a:solidFill>
+                <a:schemeClr val="tx1"/>
+              </a:solidFill>
+            </a:endParaRPr>
+          </a:p>
+        </p:txBody>
+      </p:sp>
+      <p:sp>
+        <p:nvSpPr>
+          <p:cNvPr id="45" name="文本框 44"/>
+          <p:cNvSpPr txBox="1"/>
+          <p:nvPr/>
+        </p:nvSpPr>
+        <p:spPr>
+          <a:xfrm>
+            <a:off x="899592" y="3573596"/>
+            <a:ext cx="432048" cy="215444"/>
+          </a:xfrm>
+          <a:prstGeom prst="rect">
+            <a:avLst/>
+          </a:prstGeom>
+          <a:noFill/>
+        </p:spPr>
+        <p:txBody>
+          <a:bodyPr wrap="square" rtlCol="0">
+            <a:spAutoFit/>
+          </a:bodyPr>
+          <a:lstStyle/>
+          <a:p>
+            <a:r>
+              <a:rPr lang="en-US" altLang="zh-CN" sz="800" dirty="0" smtClean="0"/>
+              <a:t>len</a:t>
+            </a:r>
+            <a:endParaRPr lang="zh-CN" altLang="en-US" sz="800" dirty="0"/>
+          </a:p>
+        </p:txBody>
+      </p:sp>
+      <p:sp>
+        <p:nvSpPr>
+          <p:cNvPr id="46" name="矩形 45"/>
+          <p:cNvSpPr/>
+          <p:nvPr/>
+        </p:nvSpPr>
+        <p:spPr>
+          <a:xfrm>
+            <a:off x="971600" y="3717032"/>
+            <a:ext cx="576064" cy="360040"/>
+          </a:xfrm>
+          <a:prstGeom prst="rect">
+            <a:avLst/>
+          </a:prstGeom>
+          <a:solidFill>
+            <a:srgbClr val="B917A2">
+              <a:alpha val="45490"/>
+            </a:srgbClr>
+          </a:solidFill>
+        </p:spPr>
+        <p:style>
+          <a:lnRef idx="2">
+            <a:schemeClr val="accent1">
+              <a:shade val="50000"/>
+            </a:schemeClr>
+          </a:lnRef>
+          <a:fillRef idx="1">
+            <a:schemeClr val="accent1"/>
+          </a:fillRef>
+          <a:effectRef idx="0">
+            <a:schemeClr val="accent1"/>
+          </a:effectRef>
+          <a:fontRef idx="minor">
+            <a:schemeClr val="lt1"/>
+          </a:fontRef>
+        </p:style>
+        <p:txBody>
+          <a:bodyPr rtlCol="0" anchor="ctr"/>
+          <a:lstStyle/>
+          <a:p>
+            <a:pPr algn="ctr"/>
+            <a:r>
+              <a:rPr lang="en-US" altLang="zh-CN" dirty="0" smtClean="0">
+                <a:solidFill>
+                  <a:schemeClr val="tx1"/>
+                </a:solidFill>
+              </a:rPr>
+              <a:t>14</a:t>
+            </a:r>
+            <a:endParaRPr lang="zh-CN" altLang="en-US" dirty="0">
+              <a:solidFill>
+                <a:schemeClr val="tx1"/>
+              </a:solidFill>
+            </a:endParaRPr>
+          </a:p>
+        </p:txBody>
+      </p:sp>
+      <p:sp>
+        <p:nvSpPr>
+          <p:cNvPr id="47" name="文本框 46"/>
+          <p:cNvSpPr txBox="1"/>
+          <p:nvPr/>
+        </p:nvSpPr>
+        <p:spPr>
+          <a:xfrm>
+            <a:off x="899592" y="3933636"/>
+            <a:ext cx="432048" cy="215444"/>
+          </a:xfrm>
+          <a:prstGeom prst="rect">
+            <a:avLst/>
+          </a:prstGeom>
+          <a:noFill/>
+        </p:spPr>
+        <p:txBody>
+          <a:bodyPr wrap="square" rtlCol="0">
+            <a:spAutoFit/>
+          </a:bodyPr>
+          <a:lstStyle/>
+          <a:p>
+            <a:r>
+              <a:rPr lang="en-US" altLang="zh-CN" sz="800" dirty="0" smtClean="0"/>
+              <a:t>cap</a:t>
+            </a:r>
+            <a:endParaRPr lang="zh-CN" altLang="en-US" sz="800" dirty="0"/>
+          </a:p>
+        </p:txBody>
+      </p:sp>
+      <p:sp>
+        <p:nvSpPr>
+          <p:cNvPr id="48" name="矩形 47"/>
+          <p:cNvSpPr/>
+          <p:nvPr/>
+        </p:nvSpPr>
+        <p:spPr>
+          <a:xfrm>
+            <a:off x="1619672" y="3933056"/>
+            <a:ext cx="576064" cy="360040"/>
+          </a:xfrm>
+          <a:prstGeom prst="rect">
+            <a:avLst/>
+          </a:prstGeom>
+          <a:solidFill>
+            <a:schemeClr val="tx2">
+              <a:lumMod val="60000"/>
+              <a:lumOff val="40000"/>
+              <a:alpha val="46000"/>
+            </a:schemeClr>
+          </a:solidFill>
+        </p:spPr>
+        <p:style>
+          <a:lnRef idx="2">
+            <a:schemeClr val="accent1">
+              <a:shade val="50000"/>
+            </a:schemeClr>
+          </a:lnRef>
+          <a:fillRef idx="1">
+            <a:schemeClr val="accent1"/>
+          </a:fillRef>
+          <a:effectRef idx="0">
+            <a:schemeClr val="accent1"/>
+          </a:effectRef>
+          <a:fontRef idx="minor">
+            <a:schemeClr val="lt1"/>
+          </a:fontRef>
+        </p:style>
+        <p:txBody>
+          <a:bodyPr rtlCol="0" anchor="ctr"/>
+          <a:lstStyle/>
+          <a:p>
+            <a:pPr algn="ctr"/>
+            <a:r>
+              <a:rPr lang="en-US" altLang="zh-CN" dirty="0" smtClean="0">
+                <a:solidFill>
+                  <a:schemeClr val="tx1"/>
+                </a:solidFill>
+              </a:rPr>
+              <a:t>0x..</a:t>
+            </a:r>
+            <a:endParaRPr lang="zh-CN" altLang="en-US" dirty="0">
+              <a:solidFill>
+                <a:schemeClr val="tx1"/>
+              </a:solidFill>
+            </a:endParaRPr>
+          </a:p>
+        </p:txBody>
+      </p:sp>
+      <p:sp>
+        <p:nvSpPr>
+          <p:cNvPr id="49" name="文本框 48"/>
+          <p:cNvSpPr txBox="1"/>
+          <p:nvPr/>
+        </p:nvSpPr>
+        <p:spPr>
+          <a:xfrm>
+            <a:off x="1547664" y="4149080"/>
+            <a:ext cx="432048" cy="215444"/>
+          </a:xfrm>
+          <a:prstGeom prst="rect">
+            <a:avLst/>
+          </a:prstGeom>
+          <a:noFill/>
+        </p:spPr>
+        <p:txBody>
+          <a:bodyPr wrap="square" rtlCol="0">
+            <a:spAutoFit/>
+          </a:bodyPr>
+          <a:lstStyle/>
+          <a:p>
+            <a:r>
+              <a:rPr lang="en-US" altLang="zh-CN" sz="800" dirty="0" smtClean="0"/>
+              <a:t>array</a:t>
+            </a:r>
+            <a:endParaRPr lang="zh-CN" altLang="en-US" sz="800" dirty="0"/>
+          </a:p>
+        </p:txBody>
+      </p:sp>
+      <p:sp>
+        <p:nvSpPr>
+          <p:cNvPr id="50" name="矩形 49"/>
+          <p:cNvSpPr/>
+          <p:nvPr/>
+        </p:nvSpPr>
+        <p:spPr>
+          <a:xfrm>
+            <a:off x="1619672" y="4293096"/>
+            <a:ext cx="576064" cy="360040"/>
+          </a:xfrm>
+          <a:prstGeom prst="rect">
+            <a:avLst/>
+          </a:prstGeom>
+          <a:solidFill>
+            <a:srgbClr val="FFFF00">
+              <a:alpha val="46000"/>
+            </a:srgbClr>
+          </a:solidFill>
+        </p:spPr>
+        <p:style>
+          <a:lnRef idx="2">
+            <a:schemeClr val="accent1">
+              <a:shade val="50000"/>
+            </a:schemeClr>
+          </a:lnRef>
+          <a:fillRef idx="1">
+            <a:schemeClr val="accent1"/>
+          </a:fillRef>
+          <a:effectRef idx="0">
+            <a:schemeClr val="accent1"/>
+          </a:effectRef>
+          <a:fontRef idx="minor">
+            <a:schemeClr val="lt1"/>
+          </a:fontRef>
+        </p:style>
+        <p:txBody>
+          <a:bodyPr rtlCol="0" anchor="ctr"/>
+          <a:lstStyle/>
+          <a:p>
+            <a:pPr algn="ctr"/>
+            <a:r>
+              <a:rPr lang="en-US" altLang="zh-CN" dirty="0">
+                <a:solidFill>
+                  <a:schemeClr val="tx1"/>
+                </a:solidFill>
+              </a:rPr>
+              <a:t>9</a:t>
+            </a:r>
+            <a:endParaRPr lang="zh-CN" altLang="en-US" dirty="0">
+              <a:solidFill>
+                <a:schemeClr val="tx1"/>
+              </a:solidFill>
+            </a:endParaRPr>
+          </a:p>
+        </p:txBody>
+      </p:sp>
+      <p:sp>
+        <p:nvSpPr>
+          <p:cNvPr id="51" name="文本框 50"/>
+          <p:cNvSpPr txBox="1"/>
+          <p:nvPr/>
+        </p:nvSpPr>
+        <p:spPr>
+          <a:xfrm>
+            <a:off x="1547664" y="4509700"/>
+            <a:ext cx="432048" cy="215444"/>
+          </a:xfrm>
+          <a:prstGeom prst="rect">
+            <a:avLst/>
+          </a:prstGeom>
+          <a:noFill/>
+        </p:spPr>
+        <p:txBody>
+          <a:bodyPr wrap="square" rtlCol="0">
+            <a:spAutoFit/>
+          </a:bodyPr>
+          <a:lstStyle/>
+          <a:p>
+            <a:r>
+              <a:rPr lang="en-US" altLang="zh-CN" sz="800" dirty="0" smtClean="0"/>
+              <a:t>len</a:t>
+            </a:r>
+            <a:endParaRPr lang="zh-CN" altLang="en-US" sz="800" dirty="0"/>
+          </a:p>
+        </p:txBody>
+      </p:sp>
+      <p:sp>
+        <p:nvSpPr>
+          <p:cNvPr id="52" name="矩形 51"/>
+          <p:cNvSpPr/>
+          <p:nvPr/>
+        </p:nvSpPr>
+        <p:spPr>
+          <a:xfrm>
+            <a:off x="1619672" y="4653136"/>
+            <a:ext cx="576064" cy="360040"/>
+          </a:xfrm>
+          <a:prstGeom prst="rect">
+            <a:avLst/>
+          </a:prstGeom>
+          <a:solidFill>
+            <a:srgbClr val="B917A2">
+              <a:alpha val="45490"/>
+            </a:srgbClr>
+          </a:solidFill>
+        </p:spPr>
+        <p:style>
+          <a:lnRef idx="2">
+            <a:schemeClr val="accent1">
+              <a:shade val="50000"/>
+            </a:schemeClr>
+          </a:lnRef>
+          <a:fillRef idx="1">
+            <a:schemeClr val="accent1"/>
+          </a:fillRef>
+          <a:effectRef idx="0">
+            <a:schemeClr val="accent1"/>
+          </a:effectRef>
+          <a:fontRef idx="minor">
+            <a:schemeClr val="lt1"/>
+          </a:fontRef>
+        </p:style>
+        <p:txBody>
+          <a:bodyPr rtlCol="0" anchor="ctr"/>
+          <a:lstStyle/>
+          <a:p>
+            <a:pPr algn="ctr"/>
+            <a:r>
+              <a:rPr lang="en-US" altLang="zh-CN" dirty="0">
+                <a:solidFill>
+                  <a:schemeClr val="tx1"/>
+                </a:solidFill>
+              </a:rPr>
+              <a:t>9</a:t>
+            </a:r>
+            <a:endParaRPr lang="zh-CN" altLang="en-US" dirty="0">
+              <a:solidFill>
+                <a:schemeClr val="tx1"/>
+              </a:solidFill>
+            </a:endParaRPr>
+          </a:p>
+        </p:txBody>
+      </p:sp>
+      <p:sp>
+        <p:nvSpPr>
+          <p:cNvPr id="53" name="文本框 52"/>
+          <p:cNvSpPr txBox="1"/>
+          <p:nvPr/>
+        </p:nvSpPr>
+        <p:spPr>
+          <a:xfrm>
+            <a:off x="1547664" y="4869740"/>
+            <a:ext cx="432048" cy="215444"/>
+          </a:xfrm>
+          <a:prstGeom prst="rect">
+            <a:avLst/>
+          </a:prstGeom>
+          <a:noFill/>
+        </p:spPr>
+        <p:txBody>
+          <a:bodyPr wrap="square" rtlCol="0">
+            <a:spAutoFit/>
+          </a:bodyPr>
+          <a:lstStyle/>
+          <a:p>
+            <a:r>
+              <a:rPr lang="en-US" altLang="zh-CN" sz="800" dirty="0" smtClean="0"/>
+              <a:t>cap</a:t>
+            </a:r>
+            <a:endParaRPr lang="zh-CN" altLang="en-US" sz="800" dirty="0"/>
+          </a:p>
+        </p:txBody>
+      </p:sp>
+      <p:sp>
+        <p:nvSpPr>
+          <p:cNvPr id="54" name="文本框 53"/>
+          <p:cNvSpPr txBox="1"/>
+          <p:nvPr/>
+        </p:nvSpPr>
+        <p:spPr>
+          <a:xfrm>
+            <a:off x="1043608" y="2780928"/>
+            <a:ext cx="504056" cy="276999"/>
+          </a:xfrm>
+          <a:prstGeom prst="rect">
+            <a:avLst/>
+          </a:prstGeom>
+          <a:noFill/>
+        </p:spPr>
+        <p:txBody>
+          <a:bodyPr wrap="square" rtlCol="0">
+            <a:spAutoFit/>
+          </a:bodyPr>
+          <a:lstStyle/>
+          <a:p>
+            <a:r>
+              <a:rPr lang="en-US" altLang="zh-CN" sz="1200" b="1" dirty="0" smtClean="0"/>
+              <a:t>dir1</a:t>
+            </a:r>
+          </a:p>
+        </p:txBody>
+      </p:sp>
+      <p:sp>
+        <p:nvSpPr>
+          <p:cNvPr id="55" name="文本框 54"/>
+          <p:cNvSpPr txBox="1"/>
+          <p:nvPr/>
+        </p:nvSpPr>
+        <p:spPr>
+          <a:xfrm>
+            <a:off x="1691680" y="3728065"/>
+            <a:ext cx="504056" cy="276999"/>
+          </a:xfrm>
+          <a:prstGeom prst="rect">
+            <a:avLst/>
+          </a:prstGeom>
+          <a:noFill/>
+        </p:spPr>
+        <p:txBody>
+          <a:bodyPr wrap="square" rtlCol="0">
+            <a:spAutoFit/>
+          </a:bodyPr>
+          <a:lstStyle/>
+          <a:p>
+            <a:r>
+              <a:rPr lang="en-US" altLang="zh-CN" sz="1200" b="1" dirty="0" smtClean="0"/>
+              <a:t>dir2</a:t>
+            </a:r>
+          </a:p>
+        </p:txBody>
+      </p:sp>
+      <p:sp>
+        <p:nvSpPr>
+          <p:cNvPr id="56" name="矩形 55"/>
+          <p:cNvSpPr/>
+          <p:nvPr/>
+        </p:nvSpPr>
+        <p:spPr>
+          <a:xfrm>
+            <a:off x="2339752" y="3284984"/>
+            <a:ext cx="288032" cy="288032"/>
+          </a:xfrm>
+          <a:prstGeom prst="rect">
+            <a:avLst/>
+          </a:prstGeom>
+          <a:solidFill>
+            <a:srgbClr val="92D050">
+              <a:alpha val="46000"/>
+            </a:srgbClr>
+          </a:solidFill>
+        </p:spPr>
+        <p:style>
+          <a:lnRef idx="2">
+            <a:schemeClr val="accent1">
+              <a:shade val="50000"/>
+            </a:schemeClr>
+          </a:lnRef>
+          <a:fillRef idx="1">
+            <a:schemeClr val="accent1"/>
+          </a:fillRef>
+          <a:effectRef idx="0">
+            <a:schemeClr val="accent1"/>
+          </a:effectRef>
+          <a:fontRef idx="minor">
+            <a:schemeClr val="lt1"/>
+          </a:fontRef>
+        </p:style>
+        <p:txBody>
+          <a:bodyPr rtlCol="0" anchor="ctr"/>
+          <a:lstStyle/>
+          <a:p>
+            <a:pPr algn="ctr"/>
+            <a:r>
+              <a:rPr lang="en-US" altLang="zh-CN" sz="1500" dirty="0" smtClean="0">
+                <a:solidFill>
+                  <a:schemeClr val="tx1"/>
+                </a:solidFill>
+              </a:rPr>
+              <a:t>A</a:t>
+            </a:r>
+            <a:endParaRPr lang="zh-CN" altLang="en-US" sz="1500" dirty="0">
+              <a:solidFill>
+                <a:schemeClr val="tx1"/>
+              </a:solidFill>
+            </a:endParaRPr>
+          </a:p>
+        </p:txBody>
+      </p:sp>
+      <p:sp>
+        <p:nvSpPr>
+          <p:cNvPr id="57" name="矩形 56"/>
+          <p:cNvSpPr/>
+          <p:nvPr/>
+        </p:nvSpPr>
+        <p:spPr>
+          <a:xfrm>
+            <a:off x="2627784" y="3284984"/>
+            <a:ext cx="288032" cy="288032"/>
+          </a:xfrm>
+          <a:prstGeom prst="rect">
+            <a:avLst/>
+          </a:prstGeom>
+          <a:solidFill>
+            <a:srgbClr val="92D050">
+              <a:alpha val="46000"/>
+            </a:srgbClr>
+          </a:solidFill>
+        </p:spPr>
+        <p:style>
+          <a:lnRef idx="2">
+            <a:schemeClr val="accent1">
+              <a:shade val="50000"/>
+            </a:schemeClr>
+          </a:lnRef>
+          <a:fillRef idx="1">
+            <a:schemeClr val="accent1"/>
+          </a:fillRef>
+          <a:effectRef idx="0">
+            <a:schemeClr val="accent1"/>
+          </a:effectRef>
+          <a:fontRef idx="minor">
+            <a:schemeClr val="lt1"/>
+          </a:fontRef>
+        </p:style>
+        <p:txBody>
+          <a:bodyPr rtlCol="0" anchor="ctr"/>
+          <a:lstStyle/>
+          <a:p>
+            <a:pPr algn="ctr"/>
+            <a:r>
+              <a:rPr lang="en-US" altLang="zh-CN" sz="1500" dirty="0" smtClean="0">
+                <a:solidFill>
+                  <a:schemeClr val="tx1"/>
+                </a:solidFill>
+              </a:rPr>
+              <a:t>A</a:t>
+            </a:r>
+            <a:endParaRPr lang="zh-CN" altLang="en-US" sz="1500" dirty="0">
+              <a:solidFill>
+                <a:schemeClr val="tx1"/>
+              </a:solidFill>
+            </a:endParaRPr>
+          </a:p>
+        </p:txBody>
+      </p:sp>
+      <p:sp>
+        <p:nvSpPr>
+          <p:cNvPr id="58" name="矩形 57"/>
+          <p:cNvSpPr/>
+          <p:nvPr/>
+        </p:nvSpPr>
+        <p:spPr>
+          <a:xfrm>
+            <a:off x="2915816" y="3284984"/>
+            <a:ext cx="288032" cy="288032"/>
+          </a:xfrm>
+          <a:prstGeom prst="rect">
+            <a:avLst/>
+          </a:prstGeom>
+          <a:solidFill>
+            <a:srgbClr val="92D050">
+              <a:alpha val="46000"/>
+            </a:srgbClr>
+          </a:solidFill>
+        </p:spPr>
+        <p:style>
+          <a:lnRef idx="2">
+            <a:schemeClr val="accent1">
+              <a:shade val="50000"/>
+            </a:schemeClr>
+          </a:lnRef>
+          <a:fillRef idx="1">
+            <a:schemeClr val="accent1"/>
+          </a:fillRef>
+          <a:effectRef idx="0">
+            <a:schemeClr val="accent1"/>
+          </a:effectRef>
+          <a:fontRef idx="minor">
+            <a:schemeClr val="lt1"/>
+          </a:fontRef>
+        </p:style>
+        <p:txBody>
+          <a:bodyPr rtlCol="0" anchor="ctr"/>
+          <a:lstStyle/>
+          <a:p>
+            <a:pPr algn="ctr"/>
+            <a:r>
+              <a:rPr lang="en-US" altLang="zh-CN" sz="1500" dirty="0" smtClean="0">
+                <a:solidFill>
+                  <a:schemeClr val="tx1"/>
+                </a:solidFill>
+              </a:rPr>
+              <a:t>A</a:t>
+            </a:r>
+            <a:endParaRPr lang="zh-CN" altLang="en-US" sz="1500" dirty="0">
+              <a:solidFill>
+                <a:schemeClr val="tx1"/>
+              </a:solidFill>
+            </a:endParaRPr>
+          </a:p>
+        </p:txBody>
+      </p:sp>
+      <p:sp>
+        <p:nvSpPr>
+          <p:cNvPr id="59" name="矩形 58"/>
+          <p:cNvSpPr/>
+          <p:nvPr/>
+        </p:nvSpPr>
+        <p:spPr>
+          <a:xfrm>
+            <a:off x="3203848" y="3284984"/>
+            <a:ext cx="288032" cy="288032"/>
+          </a:xfrm>
+          <a:prstGeom prst="rect">
+            <a:avLst/>
+          </a:prstGeom>
+          <a:solidFill>
+            <a:srgbClr val="92D050">
+              <a:alpha val="46000"/>
+            </a:srgbClr>
+          </a:solidFill>
+        </p:spPr>
+        <p:style>
+          <a:lnRef idx="2">
+            <a:schemeClr val="accent1">
+              <a:shade val="50000"/>
+            </a:schemeClr>
+          </a:lnRef>
+          <a:fillRef idx="1">
+            <a:schemeClr val="accent1"/>
+          </a:fillRef>
+          <a:effectRef idx="0">
+            <a:schemeClr val="accent1"/>
+          </a:effectRef>
+          <a:fontRef idx="minor">
+            <a:schemeClr val="lt1"/>
+          </a:fontRef>
+        </p:style>
+        <p:txBody>
+          <a:bodyPr rtlCol="0" anchor="ctr"/>
+          <a:lstStyle/>
+          <a:p>
+            <a:pPr algn="ctr"/>
+            <a:r>
+              <a:rPr lang="en-US" altLang="zh-CN" sz="1500" dirty="0" smtClean="0">
+                <a:solidFill>
+                  <a:schemeClr val="tx1"/>
+                </a:solidFill>
+              </a:rPr>
+              <a:t>A</a:t>
+            </a:r>
+            <a:endParaRPr lang="zh-CN" altLang="en-US" sz="1500" dirty="0">
+              <a:solidFill>
+                <a:schemeClr val="tx1"/>
+              </a:solidFill>
+            </a:endParaRPr>
+          </a:p>
+        </p:txBody>
+      </p:sp>
+      <p:sp>
+        <p:nvSpPr>
+          <p:cNvPr id="60" name="矩形 59"/>
+          <p:cNvSpPr/>
+          <p:nvPr/>
+        </p:nvSpPr>
+        <p:spPr>
+          <a:xfrm>
+            <a:off x="3491880" y="3284984"/>
+            <a:ext cx="288032" cy="288032"/>
+          </a:xfrm>
+          <a:prstGeom prst="rect">
+            <a:avLst/>
+          </a:prstGeom>
+          <a:solidFill>
+            <a:srgbClr val="0070C0">
+              <a:alpha val="46000"/>
+            </a:srgbClr>
+          </a:solidFill>
+        </p:spPr>
+        <p:style>
+          <a:lnRef idx="2">
+            <a:schemeClr val="accent1">
+              <a:shade val="50000"/>
+            </a:schemeClr>
+          </a:lnRef>
+          <a:fillRef idx="1">
+            <a:schemeClr val="accent1"/>
+          </a:fillRef>
+          <a:effectRef idx="0">
+            <a:schemeClr val="accent1"/>
+          </a:effectRef>
+          <a:fontRef idx="minor">
+            <a:schemeClr val="lt1"/>
+          </a:fontRef>
+        </p:style>
+        <p:txBody>
+          <a:bodyPr rtlCol="0" anchor="ctr"/>
+          <a:lstStyle/>
+          <a:p>
+            <a:pPr algn="ctr"/>
+            <a:r>
+              <a:rPr lang="en-US" altLang="zh-CN" sz="1500" dirty="0" smtClean="0">
+                <a:solidFill>
+                  <a:schemeClr val="tx1"/>
+                </a:solidFill>
+              </a:rPr>
+              <a:t>s</a:t>
+            </a:r>
+            <a:endParaRPr lang="zh-CN" altLang="en-US" sz="1500" dirty="0">
+              <a:solidFill>
+                <a:schemeClr val="tx1"/>
+              </a:solidFill>
+            </a:endParaRPr>
+          </a:p>
+        </p:txBody>
+      </p:sp>
+      <p:sp>
+        <p:nvSpPr>
+          <p:cNvPr id="61" name="矩形 60"/>
+          <p:cNvSpPr/>
+          <p:nvPr/>
+        </p:nvSpPr>
+        <p:spPr>
+          <a:xfrm>
+            <a:off x="3779912" y="3284984"/>
+            <a:ext cx="288032" cy="288032"/>
+          </a:xfrm>
+          <a:prstGeom prst="rect">
+            <a:avLst/>
+          </a:prstGeom>
+          <a:solidFill>
+            <a:srgbClr val="0070C0">
+              <a:alpha val="46000"/>
+            </a:srgbClr>
+          </a:solidFill>
+        </p:spPr>
+        <p:style>
+          <a:lnRef idx="2">
+            <a:schemeClr val="accent1">
+              <a:shade val="50000"/>
+            </a:schemeClr>
+          </a:lnRef>
+          <a:fillRef idx="1">
+            <a:schemeClr val="accent1"/>
+          </a:fillRef>
+          <a:effectRef idx="0">
+            <a:schemeClr val="accent1"/>
+          </a:effectRef>
+          <a:fontRef idx="minor">
+            <a:schemeClr val="lt1"/>
+          </a:fontRef>
+        </p:style>
+        <p:txBody>
+          <a:bodyPr rtlCol="0" anchor="ctr"/>
+          <a:lstStyle/>
+          <a:p>
+            <a:pPr algn="ctr"/>
+            <a:r>
+              <a:rPr lang="en-US" altLang="zh-CN" sz="1500" dirty="0" smtClean="0">
+                <a:solidFill>
+                  <a:schemeClr val="tx1"/>
+                </a:solidFill>
+              </a:rPr>
+              <a:t>u</a:t>
+            </a:r>
+            <a:endParaRPr lang="zh-CN" altLang="en-US" sz="1500" dirty="0">
+              <a:solidFill>
+                <a:schemeClr val="tx1"/>
+              </a:solidFill>
+            </a:endParaRPr>
+          </a:p>
+        </p:txBody>
+      </p:sp>
+      <p:sp>
+        <p:nvSpPr>
+          <p:cNvPr id="62" name="矩形 61"/>
+          <p:cNvSpPr/>
+          <p:nvPr/>
+        </p:nvSpPr>
+        <p:spPr>
+          <a:xfrm>
+            <a:off x="4067944" y="3284984"/>
+            <a:ext cx="288032" cy="288032"/>
+          </a:xfrm>
+          <a:prstGeom prst="rect">
+            <a:avLst/>
+          </a:prstGeom>
+          <a:solidFill>
+            <a:srgbClr val="0070C0">
+              <a:alpha val="46000"/>
+            </a:srgbClr>
+          </a:solidFill>
+        </p:spPr>
+        <p:style>
+          <a:lnRef idx="2">
+            <a:schemeClr val="accent1">
+              <a:shade val="50000"/>
+            </a:schemeClr>
+          </a:lnRef>
+          <a:fillRef idx="1">
+            <a:schemeClr val="accent1"/>
+          </a:fillRef>
+          <a:effectRef idx="0">
+            <a:schemeClr val="accent1"/>
+          </a:effectRef>
+          <a:fontRef idx="minor">
+            <a:schemeClr val="lt1"/>
+          </a:fontRef>
+        </p:style>
+        <p:txBody>
+          <a:bodyPr rtlCol="0" anchor="ctr"/>
+          <a:lstStyle/>
+          <a:p>
+            <a:pPr algn="ctr"/>
+            <a:r>
+              <a:rPr lang="en-US" altLang="zh-CN" sz="1500" dirty="0" smtClean="0">
+                <a:solidFill>
+                  <a:schemeClr val="tx1"/>
+                </a:solidFill>
+              </a:rPr>
+              <a:t>f</a:t>
+            </a:r>
+            <a:endParaRPr lang="zh-CN" altLang="en-US" sz="1500" dirty="0">
+              <a:solidFill>
+                <a:schemeClr val="tx1"/>
+              </a:solidFill>
+            </a:endParaRPr>
+          </a:p>
+        </p:txBody>
+      </p:sp>
+      <p:sp>
+        <p:nvSpPr>
+          <p:cNvPr id="63" name="矩形 62"/>
+          <p:cNvSpPr/>
+          <p:nvPr/>
+        </p:nvSpPr>
+        <p:spPr>
+          <a:xfrm>
+            <a:off x="4355976" y="3284984"/>
+            <a:ext cx="288032" cy="288032"/>
+          </a:xfrm>
+          <a:prstGeom prst="rect">
+            <a:avLst/>
+          </a:prstGeom>
+          <a:solidFill>
+            <a:srgbClr val="0070C0">
+              <a:alpha val="46000"/>
+            </a:srgbClr>
+          </a:solidFill>
+        </p:spPr>
+        <p:style>
+          <a:lnRef idx="2">
+            <a:schemeClr val="accent1">
+              <a:shade val="50000"/>
+            </a:schemeClr>
+          </a:lnRef>
+          <a:fillRef idx="1">
+            <a:schemeClr val="accent1"/>
+          </a:fillRef>
+          <a:effectRef idx="0">
+            <a:schemeClr val="accent1"/>
+          </a:effectRef>
+          <a:fontRef idx="minor">
+            <a:schemeClr val="lt1"/>
+          </a:fontRef>
+        </p:style>
+        <p:txBody>
+          <a:bodyPr rtlCol="0" anchor="ctr"/>
+          <a:lstStyle/>
+          <a:p>
+            <a:pPr algn="ctr"/>
+            <a:r>
+              <a:rPr lang="en-US" altLang="zh-CN" sz="1500" dirty="0" smtClean="0">
+                <a:solidFill>
+                  <a:schemeClr val="tx1"/>
+                </a:solidFill>
+              </a:rPr>
+              <a:t>f</a:t>
+            </a:r>
+            <a:endParaRPr lang="zh-CN" altLang="en-US" sz="1500" dirty="0">
+              <a:solidFill>
+                <a:schemeClr val="tx1"/>
+              </a:solidFill>
+            </a:endParaRPr>
+          </a:p>
+        </p:txBody>
+      </p:sp>
+      <p:sp>
+        <p:nvSpPr>
+          <p:cNvPr id="64" name="矩形 63"/>
+          <p:cNvSpPr/>
+          <p:nvPr/>
+        </p:nvSpPr>
+        <p:spPr>
+          <a:xfrm>
+            <a:off x="4644008" y="3284984"/>
+            <a:ext cx="288032" cy="288032"/>
+          </a:xfrm>
+          <a:prstGeom prst="rect">
+            <a:avLst/>
+          </a:prstGeom>
+          <a:solidFill>
+            <a:srgbClr val="0070C0">
+              <a:alpha val="46000"/>
+            </a:srgbClr>
+          </a:solidFill>
+        </p:spPr>
+        <p:style>
+          <a:lnRef idx="2">
+            <a:schemeClr val="accent1">
+              <a:shade val="50000"/>
+            </a:schemeClr>
+          </a:lnRef>
+          <a:fillRef idx="1">
+            <a:schemeClr val="accent1"/>
+          </a:fillRef>
+          <a:effectRef idx="0">
+            <a:schemeClr val="accent1"/>
+          </a:effectRef>
+          <a:fontRef idx="minor">
+            <a:schemeClr val="lt1"/>
+          </a:fontRef>
+        </p:style>
+        <p:txBody>
+          <a:bodyPr rtlCol="0" anchor="ctr"/>
+          <a:lstStyle/>
+          <a:p>
+            <a:pPr algn="ctr"/>
+            <a:r>
+              <a:rPr lang="en-US" altLang="zh-CN" sz="1500" dirty="0" smtClean="0">
+                <a:solidFill>
+                  <a:schemeClr val="tx1"/>
+                </a:solidFill>
+              </a:rPr>
+              <a:t>i</a:t>
+            </a:r>
+            <a:endParaRPr lang="zh-CN" altLang="en-US" sz="1500" dirty="0">
+              <a:solidFill>
+                <a:schemeClr val="tx1"/>
+              </a:solidFill>
+            </a:endParaRPr>
+          </a:p>
+        </p:txBody>
+      </p:sp>
+      <p:sp>
+        <p:nvSpPr>
+          <p:cNvPr id="65" name="矩形 64"/>
+          <p:cNvSpPr/>
+          <p:nvPr/>
+        </p:nvSpPr>
+        <p:spPr>
+          <a:xfrm>
+            <a:off x="4932040" y="3284984"/>
+            <a:ext cx="288032" cy="288032"/>
+          </a:xfrm>
+          <a:prstGeom prst="rect">
+            <a:avLst/>
+          </a:prstGeom>
+          <a:solidFill>
+            <a:srgbClr val="0070C0">
+              <a:alpha val="46000"/>
+            </a:srgbClr>
+          </a:solidFill>
+        </p:spPr>
+        <p:style>
+          <a:lnRef idx="2">
+            <a:schemeClr val="accent1">
+              <a:shade val="50000"/>
+            </a:schemeClr>
+          </a:lnRef>
+          <a:fillRef idx="1">
+            <a:schemeClr val="accent1"/>
+          </a:fillRef>
+          <a:effectRef idx="0">
+            <a:schemeClr val="accent1"/>
+          </a:effectRef>
+          <a:fontRef idx="minor">
+            <a:schemeClr val="lt1"/>
+          </a:fontRef>
+        </p:style>
+        <p:txBody>
+          <a:bodyPr rtlCol="0" anchor="ctr"/>
+          <a:lstStyle/>
+          <a:p>
+            <a:pPr algn="ctr"/>
+            <a:r>
+              <a:rPr lang="en-US" altLang="zh-CN" sz="1500" dirty="0" smtClean="0">
+                <a:solidFill>
+                  <a:schemeClr val="tx1"/>
+                </a:solidFill>
+              </a:rPr>
+              <a:t>x</a:t>
+            </a:r>
+            <a:endParaRPr lang="zh-CN" altLang="en-US" sz="1500" dirty="0">
+              <a:solidFill>
+                <a:schemeClr val="tx1"/>
+              </a:solidFill>
+            </a:endParaRPr>
+          </a:p>
+        </p:txBody>
+      </p:sp>
+      <p:sp>
+        <p:nvSpPr>
+          <p:cNvPr id="66" name="矩形 65"/>
+          <p:cNvSpPr/>
+          <p:nvPr/>
+        </p:nvSpPr>
+        <p:spPr>
+          <a:xfrm>
+            <a:off x="5220072" y="3284984"/>
+            <a:ext cx="288032" cy="288032"/>
+          </a:xfrm>
+          <a:prstGeom prst="rect">
+            <a:avLst/>
+          </a:prstGeom>
+          <a:solidFill>
+            <a:srgbClr val="00B050">
+              <a:alpha val="46000"/>
+            </a:srgbClr>
+          </a:solidFill>
+        </p:spPr>
+        <p:style>
+          <a:lnRef idx="2">
+            <a:schemeClr val="accent1">
+              <a:shade val="50000"/>
+            </a:schemeClr>
+          </a:lnRef>
+          <a:fillRef idx="1">
+            <a:schemeClr val="accent1"/>
+          </a:fillRef>
+          <a:effectRef idx="0">
+            <a:schemeClr val="accent1"/>
+          </a:effectRef>
+          <a:fontRef idx="minor">
+            <a:schemeClr val="lt1"/>
+          </a:fontRef>
+        </p:style>
+        <p:txBody>
+          <a:bodyPr rtlCol="0" anchor="ctr"/>
+          <a:lstStyle/>
+          <a:p>
+            <a:pPr algn="ctr"/>
+            <a:r>
+              <a:rPr lang="en-US" altLang="zh-CN" sz="1500" dirty="0">
+                <a:solidFill>
+                  <a:schemeClr val="tx1"/>
+                </a:solidFill>
+              </a:rPr>
+              <a:t>B</a:t>
+            </a:r>
+            <a:endParaRPr lang="zh-CN" altLang="en-US" sz="1500" dirty="0">
+              <a:solidFill>
+                <a:schemeClr val="tx1"/>
+              </a:solidFill>
+            </a:endParaRPr>
+          </a:p>
+        </p:txBody>
+      </p:sp>
+      <p:sp>
+        <p:nvSpPr>
+          <p:cNvPr id="67" name="矩形 66"/>
+          <p:cNvSpPr/>
+          <p:nvPr/>
+        </p:nvSpPr>
+        <p:spPr>
+          <a:xfrm>
+            <a:off x="5508104" y="3284984"/>
+            <a:ext cx="288032" cy="288032"/>
+          </a:xfrm>
+          <a:prstGeom prst="rect">
+            <a:avLst/>
+          </a:prstGeom>
+          <a:solidFill>
+            <a:srgbClr val="00B050">
+              <a:alpha val="46000"/>
+            </a:srgbClr>
+          </a:solidFill>
+        </p:spPr>
+        <p:style>
+          <a:lnRef idx="2">
+            <a:schemeClr val="accent1">
+              <a:shade val="50000"/>
+            </a:schemeClr>
+          </a:lnRef>
+          <a:fillRef idx="1">
+            <a:schemeClr val="accent1"/>
+          </a:fillRef>
+          <a:effectRef idx="0">
+            <a:schemeClr val="accent1"/>
+          </a:effectRef>
+          <a:fontRef idx="minor">
+            <a:schemeClr val="lt1"/>
+          </a:fontRef>
+        </p:style>
+        <p:txBody>
+          <a:bodyPr rtlCol="0" anchor="ctr"/>
+          <a:lstStyle/>
+          <a:p>
+            <a:pPr algn="ctr"/>
+            <a:r>
+              <a:rPr lang="en-US" altLang="zh-CN" sz="1500" dirty="0">
+                <a:solidFill>
+                  <a:schemeClr val="tx1"/>
+                </a:solidFill>
+              </a:rPr>
+              <a:t>B</a:t>
+            </a:r>
+            <a:endParaRPr lang="zh-CN" altLang="en-US" sz="1500" dirty="0">
+              <a:solidFill>
+                <a:schemeClr val="tx1"/>
+              </a:solidFill>
+            </a:endParaRPr>
+          </a:p>
+        </p:txBody>
+      </p:sp>
+      <p:sp>
+        <p:nvSpPr>
+          <p:cNvPr id="68" name="矩形 67"/>
+          <p:cNvSpPr/>
+          <p:nvPr/>
+        </p:nvSpPr>
+        <p:spPr>
+          <a:xfrm>
+            <a:off x="5796136" y="3284984"/>
+            <a:ext cx="288032" cy="288032"/>
+          </a:xfrm>
+          <a:prstGeom prst="rect">
+            <a:avLst/>
+          </a:prstGeom>
+          <a:solidFill>
+            <a:srgbClr val="00B050">
+              <a:alpha val="46000"/>
+            </a:srgbClr>
+          </a:solidFill>
+        </p:spPr>
+        <p:style>
+          <a:lnRef idx="2">
+            <a:schemeClr val="accent1">
+              <a:shade val="50000"/>
+            </a:schemeClr>
+          </a:lnRef>
+          <a:fillRef idx="1">
+            <a:schemeClr val="accent1"/>
+          </a:fillRef>
+          <a:effectRef idx="0">
+            <a:schemeClr val="accent1"/>
+          </a:effectRef>
+          <a:fontRef idx="minor">
+            <a:schemeClr val="lt1"/>
+          </a:fontRef>
+        </p:style>
+        <p:txBody>
+          <a:bodyPr rtlCol="0" anchor="ctr"/>
+          <a:lstStyle/>
+          <a:p>
+            <a:pPr algn="ctr"/>
+            <a:r>
+              <a:rPr lang="en-US" altLang="zh-CN" sz="1500" dirty="0">
+                <a:solidFill>
+                  <a:schemeClr val="tx1"/>
+                </a:solidFill>
+              </a:rPr>
+              <a:t>B</a:t>
+            </a:r>
+            <a:endParaRPr lang="zh-CN" altLang="en-US" sz="1500" dirty="0">
+              <a:solidFill>
+                <a:schemeClr val="tx1"/>
+              </a:solidFill>
+            </a:endParaRPr>
+          </a:p>
+        </p:txBody>
+      </p:sp>
+      <p:sp>
+        <p:nvSpPr>
+          <p:cNvPr id="69" name="矩形 68"/>
+          <p:cNvSpPr/>
+          <p:nvPr/>
+        </p:nvSpPr>
+        <p:spPr>
+          <a:xfrm>
+            <a:off x="6084168" y="3284984"/>
+            <a:ext cx="288032" cy="288032"/>
+          </a:xfrm>
+          <a:prstGeom prst="rect">
+            <a:avLst/>
+          </a:prstGeom>
+          <a:solidFill>
+            <a:srgbClr val="00B050">
+              <a:alpha val="46000"/>
+            </a:srgbClr>
+          </a:solidFill>
+        </p:spPr>
+        <p:style>
+          <a:lnRef idx="2">
+            <a:schemeClr val="accent1">
+              <a:shade val="50000"/>
+            </a:schemeClr>
+          </a:lnRef>
+          <a:fillRef idx="1">
+            <a:schemeClr val="accent1"/>
+          </a:fillRef>
+          <a:effectRef idx="0">
+            <a:schemeClr val="accent1"/>
+          </a:effectRef>
+          <a:fontRef idx="minor">
+            <a:schemeClr val="lt1"/>
+          </a:fontRef>
+        </p:style>
+        <p:txBody>
+          <a:bodyPr rtlCol="0" anchor="ctr"/>
+          <a:lstStyle/>
+          <a:p>
+            <a:pPr algn="ctr"/>
+            <a:r>
+              <a:rPr lang="en-US" altLang="zh-CN" sz="1500" dirty="0">
+                <a:solidFill>
+                  <a:schemeClr val="tx1"/>
+                </a:solidFill>
+              </a:rPr>
+              <a:t>B</a:t>
+            </a:r>
+            <a:endParaRPr lang="zh-CN" altLang="en-US" sz="1500" dirty="0">
+              <a:solidFill>
+                <a:schemeClr val="tx1"/>
+              </a:solidFill>
+            </a:endParaRPr>
+          </a:p>
+        </p:txBody>
+      </p:sp>
+      <p:cxnSp>
+        <p:nvCxnSpPr>
+          <p:cNvPr id="70" name="直接箭头连接符 69">
+            <a:extLst>
+              <a:ext uri="{FF2B5EF4-FFF2-40B4-BE49-F238E27FC236}">
+                <a16:creationId xmlns:a16="http://schemas.microsoft.com/office/drawing/2014/main" id="{0CF0D916-C7E9-46FC-90AF-7EC0773FEB44}"/>
+              </a:ext>
+            </a:extLst>
+          </p:cNvPr>
+          <p:cNvCxnSpPr>
+            <a:cxnSpLocks/>
+            <a:endCxn id="56" idx="1"/>
+          </p:cNvCxnSpPr>
+          <p:nvPr/>
+        </p:nvCxnSpPr>
+        <p:spPr>
+          <a:xfrm>
+            <a:off x="1562082" y="3217570"/>
+            <a:ext cx="777670" cy="211430"/>
+          </a:xfrm>
+          <a:prstGeom prst="straightConnector1">
+            <a:avLst/>
+          </a:prstGeom>
+          <a:ln w="12700">
+            <a:solidFill>
+              <a:schemeClr val="tx1"/>
+            </a:solidFill>
+            <a:tailEnd type="triangle"/>
+          </a:ln>
+        </p:spPr>
+        <p:style>
+          <a:lnRef idx="1">
+            <a:schemeClr val="accent1"/>
+          </a:lnRef>
+          <a:fillRef idx="0">
+            <a:schemeClr val="accent1"/>
+          </a:fillRef>
+          <a:effectRef idx="0">
+            <a:schemeClr val="accent1"/>
+          </a:effectRef>
+          <a:fontRef idx="minor">
+            <a:schemeClr val="tx1"/>
+          </a:fontRef>
+        </p:style>
+      </p:cxnSp>
+      <p:cxnSp>
+        <p:nvCxnSpPr>
+          <p:cNvPr id="71" name="直接箭头连接符 70">
+            <a:extLst>
+              <a:ext uri="{FF2B5EF4-FFF2-40B4-BE49-F238E27FC236}">
+                <a16:creationId xmlns:a16="http://schemas.microsoft.com/office/drawing/2014/main" id="{0CF0D916-C7E9-46FC-90AF-7EC0773FEB44}"/>
+              </a:ext>
+            </a:extLst>
+          </p:cNvPr>
+          <p:cNvCxnSpPr>
+            <a:cxnSpLocks/>
+            <a:endCxn id="61" idx="2"/>
+          </p:cNvCxnSpPr>
+          <p:nvPr/>
+        </p:nvCxnSpPr>
+        <p:spPr>
+          <a:xfrm flipV="1">
+            <a:off x="2195736" y="3573016"/>
+            <a:ext cx="1728192" cy="540060"/>
+          </a:xfrm>
+          <a:prstGeom prst="straightConnector1">
+            <a:avLst/>
+          </a:prstGeom>
+          <a:ln w="12700">
+            <a:solidFill>
+              <a:schemeClr val="tx1"/>
+            </a:solidFill>
+            <a:tailEnd type="triangle"/>
+          </a:ln>
+        </p:spPr>
+        <p:style>
+          <a:lnRef idx="1">
+            <a:schemeClr val="accent1"/>
+          </a:lnRef>
+          <a:fillRef idx="0">
+            <a:schemeClr val="accent1"/>
+          </a:fillRef>
+          <a:effectRef idx="0">
+            <a:schemeClr val="accent1"/>
+          </a:effectRef>
+          <a:fontRef idx="minor">
+            <a:schemeClr val="tx1"/>
+          </a:fontRef>
+        </p:style>
+      </p:cxnSp>
     </p:spTree>
     <p:extLst>
       <p:ext uri="{BB962C8B-B14F-4D97-AF65-F5344CB8AC3E}">
@@ -11798,6 +14745,1517 @@
   <p:clrMapOvr>
     <a:masterClrMapping/>
   </p:clrMapOvr>
+  <p:timing>
+    <p:tnLst>
+      <p:par>
+        <p:cTn id="1" dur="indefinite" restart="never" nodeType="tmRoot"/>
+      </p:par>
+    </p:tnLst>
+  </p:timing>
+</p:sld>
+</file>
+
+<file path=ppt/slides/slide7.xml><?xml version="1.0" encoding="utf-8"?>
+<p:sld xmlns:a="http://schemas.openxmlformats.org/drawingml/2006/main" xmlns:r="http://schemas.openxmlformats.org/officeDocument/2006/relationships" xmlns:p="http://schemas.openxmlformats.org/presentationml/2006/main">
+  <p:cSld>
+    <p:spTree>
+      <p:nvGrpSpPr>
+        <p:cNvPr id="1" name=""/>
+        <p:cNvGrpSpPr/>
+        <p:nvPr/>
+      </p:nvGrpSpPr>
+      <p:grpSpPr>
+        <a:xfrm>
+          <a:off x="0" y="0"/>
+          <a:ext cx="0" cy="0"/>
+          <a:chOff x="0" y="0"/>
+          <a:chExt cx="0" cy="0"/>
+        </a:xfrm>
+      </p:grpSpPr>
+      <p:sp>
+        <p:nvSpPr>
+          <p:cNvPr id="2" name="矩形 1"/>
+          <p:cNvSpPr/>
+          <p:nvPr/>
+        </p:nvSpPr>
+        <p:spPr>
+          <a:xfrm>
+            <a:off x="4139952" y="1340768"/>
+            <a:ext cx="1440160" cy="288032"/>
+          </a:xfrm>
+          <a:prstGeom prst="rect">
+            <a:avLst/>
+          </a:prstGeom>
+        </p:spPr>
+        <p:style>
+          <a:lnRef idx="2">
+            <a:schemeClr val="accent2"/>
+          </a:lnRef>
+          <a:fillRef idx="1">
+            <a:schemeClr val="lt1"/>
+          </a:fillRef>
+          <a:effectRef idx="0">
+            <a:schemeClr val="accent2"/>
+          </a:effectRef>
+          <a:fontRef idx="minor">
+            <a:schemeClr val="dk1"/>
+          </a:fontRef>
+        </p:style>
+        <p:txBody>
+          <a:bodyPr rtlCol="0" anchor="ctr"/>
+          <a:lstStyle/>
+          <a:p>
+            <a:pPr algn="ctr"/>
+            <a:r>
+              <a:rPr lang="en-US" altLang="zh-CN" sz="1000" dirty="0">
+                <a:solidFill>
+                  <a:schemeClr val="tx1"/>
+                </a:solidFill>
+              </a:rPr>
+              <a:t>ActionProcessSkillHead</a:t>
+            </a:r>
+            <a:endParaRPr lang="zh-CN" altLang="en-US" sz="1000" dirty="0">
+              <a:solidFill>
+                <a:schemeClr val="tx1"/>
+              </a:solidFill>
+            </a:endParaRPr>
+          </a:p>
+        </p:txBody>
+      </p:sp>
+      <p:sp>
+        <p:nvSpPr>
+          <p:cNvPr id="3" name="矩形 2"/>
+          <p:cNvSpPr/>
+          <p:nvPr/>
+        </p:nvSpPr>
+        <p:spPr>
+          <a:xfrm>
+            <a:off x="4139952" y="3933056"/>
+            <a:ext cx="1440160" cy="288032"/>
+          </a:xfrm>
+          <a:prstGeom prst="rect">
+            <a:avLst/>
+          </a:prstGeom>
+        </p:spPr>
+        <p:style>
+          <a:lnRef idx="2">
+            <a:schemeClr val="accent2"/>
+          </a:lnRef>
+          <a:fillRef idx="1">
+            <a:schemeClr val="lt1"/>
+          </a:fillRef>
+          <a:effectRef idx="0">
+            <a:schemeClr val="accent2"/>
+          </a:effectRef>
+          <a:fontRef idx="minor">
+            <a:schemeClr val="dk1"/>
+          </a:fontRef>
+        </p:style>
+        <p:txBody>
+          <a:bodyPr rtlCol="0" anchor="ctr"/>
+          <a:lstStyle/>
+          <a:p>
+            <a:pPr algn="ctr"/>
+            <a:r>
+              <a:rPr lang="en-US" altLang="zh-CN" sz="1000" dirty="0">
+                <a:solidFill>
+                  <a:schemeClr val="tx1"/>
+                </a:solidFill>
+              </a:rPr>
+              <a:t>ActionProcessSkillTail</a:t>
+            </a:r>
+            <a:endParaRPr lang="zh-CN" altLang="en-US" sz="1000" dirty="0">
+              <a:solidFill>
+                <a:schemeClr val="tx1"/>
+              </a:solidFill>
+            </a:endParaRPr>
+          </a:p>
+        </p:txBody>
+      </p:sp>
+      <p:sp>
+        <p:nvSpPr>
+          <p:cNvPr id="4" name="矩形 3"/>
+          <p:cNvSpPr/>
+          <p:nvPr/>
+        </p:nvSpPr>
+        <p:spPr>
+          <a:xfrm>
+            <a:off x="4139952" y="1916832"/>
+            <a:ext cx="1872208" cy="288032"/>
+          </a:xfrm>
+          <a:prstGeom prst="rect">
+            <a:avLst/>
+          </a:prstGeom>
+        </p:spPr>
+        <p:style>
+          <a:lnRef idx="2">
+            <a:schemeClr val="accent4"/>
+          </a:lnRef>
+          <a:fillRef idx="1">
+            <a:schemeClr val="lt1"/>
+          </a:fillRef>
+          <a:effectRef idx="0">
+            <a:schemeClr val="accent4"/>
+          </a:effectRef>
+          <a:fontRef idx="minor">
+            <a:schemeClr val="dk1"/>
+          </a:fontRef>
+        </p:style>
+        <p:txBody>
+          <a:bodyPr rtlCol="0" anchor="ctr"/>
+          <a:lstStyle/>
+          <a:p>
+            <a:pPr algn="ctr"/>
+            <a:r>
+              <a:rPr lang="en-US" altLang="zh-CN" sz="1000" dirty="0">
+                <a:solidFill>
+                  <a:schemeClr val="tx1"/>
+                </a:solidFill>
+              </a:rPr>
+              <a:t>ActionProcessAttackBegin</a:t>
+            </a:r>
+            <a:endParaRPr lang="zh-CN" altLang="en-US" sz="1000" dirty="0">
+              <a:solidFill>
+                <a:schemeClr val="tx1"/>
+              </a:solidFill>
+            </a:endParaRPr>
+          </a:p>
+        </p:txBody>
+      </p:sp>
+      <p:sp>
+        <p:nvSpPr>
+          <p:cNvPr id="5" name="矩形 4"/>
+          <p:cNvSpPr/>
+          <p:nvPr/>
+        </p:nvSpPr>
+        <p:spPr>
+          <a:xfrm>
+            <a:off x="4139952" y="2204864"/>
+            <a:ext cx="2088232" cy="288032"/>
+          </a:xfrm>
+          <a:prstGeom prst="rect">
+            <a:avLst/>
+          </a:prstGeom>
+        </p:spPr>
+        <p:style>
+          <a:lnRef idx="2">
+            <a:schemeClr val="accent5"/>
+          </a:lnRef>
+          <a:fillRef idx="1">
+            <a:schemeClr val="lt1"/>
+          </a:fillRef>
+          <a:effectRef idx="0">
+            <a:schemeClr val="accent5"/>
+          </a:effectRef>
+          <a:fontRef idx="minor">
+            <a:schemeClr val="dk1"/>
+          </a:fontRef>
+        </p:style>
+        <p:txBody>
+          <a:bodyPr rtlCol="0" anchor="ctr"/>
+          <a:lstStyle/>
+          <a:p>
+            <a:pPr algn="ctr"/>
+            <a:r>
+              <a:rPr lang="en-US" altLang="zh-CN" sz="1000" dirty="0" smtClean="0">
+                <a:solidFill>
+                  <a:schemeClr val="tx1"/>
+                </a:solidFill>
+              </a:rPr>
+              <a:t>ActionProcessAttackNormalAttack</a:t>
+            </a:r>
+            <a:endParaRPr lang="zh-CN" altLang="en-US" sz="1000" dirty="0">
+              <a:solidFill>
+                <a:schemeClr val="tx1"/>
+              </a:solidFill>
+            </a:endParaRPr>
+          </a:p>
+        </p:txBody>
+      </p:sp>
+      <p:sp>
+        <p:nvSpPr>
+          <p:cNvPr id="6" name="矩形 5"/>
+          <p:cNvSpPr/>
+          <p:nvPr/>
+        </p:nvSpPr>
+        <p:spPr>
+          <a:xfrm>
+            <a:off x="4139952" y="3645024"/>
+            <a:ext cx="1872208" cy="288032"/>
+          </a:xfrm>
+          <a:prstGeom prst="rect">
+            <a:avLst/>
+          </a:prstGeom>
+        </p:spPr>
+        <p:style>
+          <a:lnRef idx="2">
+            <a:schemeClr val="accent4"/>
+          </a:lnRef>
+          <a:fillRef idx="1">
+            <a:schemeClr val="lt1"/>
+          </a:fillRef>
+          <a:effectRef idx="0">
+            <a:schemeClr val="accent4"/>
+          </a:effectRef>
+          <a:fontRef idx="minor">
+            <a:schemeClr val="dk1"/>
+          </a:fontRef>
+        </p:style>
+        <p:txBody>
+          <a:bodyPr rtlCol="0" anchor="ctr"/>
+          <a:lstStyle/>
+          <a:p>
+            <a:pPr algn="ctr"/>
+            <a:r>
+              <a:rPr lang="en-US" altLang="zh-CN" sz="1000" dirty="0">
+                <a:solidFill>
+                  <a:schemeClr val="tx1"/>
+                </a:solidFill>
+              </a:rPr>
+              <a:t>ActionProcessAttackEnd</a:t>
+            </a:r>
+            <a:endParaRPr lang="zh-CN" altLang="en-US" sz="1000" dirty="0">
+              <a:solidFill>
+                <a:schemeClr val="tx1"/>
+              </a:solidFill>
+            </a:endParaRPr>
+          </a:p>
+        </p:txBody>
+      </p:sp>
+      <p:sp>
+        <p:nvSpPr>
+          <p:cNvPr id="7" name="矩形 6"/>
+          <p:cNvSpPr/>
+          <p:nvPr/>
+        </p:nvSpPr>
+        <p:spPr>
+          <a:xfrm>
+            <a:off x="4139952" y="2492896"/>
+            <a:ext cx="1872208" cy="288032"/>
+          </a:xfrm>
+          <a:prstGeom prst="rect">
+            <a:avLst/>
+          </a:prstGeom>
+        </p:spPr>
+        <p:style>
+          <a:lnRef idx="2">
+            <a:schemeClr val="accent5"/>
+          </a:lnRef>
+          <a:fillRef idx="1">
+            <a:schemeClr val="lt1"/>
+          </a:fillRef>
+          <a:effectRef idx="0">
+            <a:schemeClr val="accent5"/>
+          </a:effectRef>
+          <a:fontRef idx="minor">
+            <a:schemeClr val="dk1"/>
+          </a:fontRef>
+        </p:style>
+        <p:txBody>
+          <a:bodyPr rtlCol="0" anchor="ctr"/>
+          <a:lstStyle/>
+          <a:p>
+            <a:pPr algn="ctr"/>
+            <a:r>
+              <a:rPr lang="en-US" altLang="zh-CN" sz="1000" dirty="0">
+                <a:solidFill>
+                  <a:schemeClr val="accent3">
+                    <a:lumMod val="75000"/>
+                  </a:schemeClr>
+                </a:solidFill>
+              </a:rPr>
+              <a:t>ActionProcessOnHit</a:t>
+            </a:r>
+            <a:endParaRPr lang="zh-CN" altLang="en-US" sz="1000" dirty="0">
+              <a:solidFill>
+                <a:schemeClr val="accent3">
+                  <a:lumMod val="75000"/>
+                </a:schemeClr>
+              </a:solidFill>
+            </a:endParaRPr>
+          </a:p>
+        </p:txBody>
+      </p:sp>
+      <p:sp>
+        <p:nvSpPr>
+          <p:cNvPr id="10" name="矩形 9"/>
+          <p:cNvSpPr/>
+          <p:nvPr/>
+        </p:nvSpPr>
+        <p:spPr>
+          <a:xfrm>
+            <a:off x="4139952" y="3068960"/>
+            <a:ext cx="1872208" cy="288032"/>
+          </a:xfrm>
+          <a:prstGeom prst="rect">
+            <a:avLst/>
+          </a:prstGeom>
+        </p:spPr>
+        <p:style>
+          <a:lnRef idx="2">
+            <a:schemeClr val="accent5"/>
+          </a:lnRef>
+          <a:fillRef idx="1">
+            <a:schemeClr val="lt1"/>
+          </a:fillRef>
+          <a:effectRef idx="0">
+            <a:schemeClr val="accent5"/>
+          </a:effectRef>
+          <a:fontRef idx="minor">
+            <a:schemeClr val="dk1"/>
+          </a:fontRef>
+        </p:style>
+        <p:txBody>
+          <a:bodyPr rtlCol="0" anchor="ctr"/>
+          <a:lstStyle/>
+          <a:p>
+            <a:pPr algn="ctr"/>
+            <a:r>
+              <a:rPr lang="en-US" altLang="zh-CN" sz="1000" dirty="0">
+                <a:solidFill>
+                  <a:schemeClr val="accent3">
+                    <a:lumMod val="75000"/>
+                  </a:schemeClr>
+                </a:solidFill>
+              </a:rPr>
+              <a:t>ActionProcessOnHit</a:t>
+            </a:r>
+            <a:endParaRPr lang="zh-CN" altLang="en-US" sz="1000" dirty="0">
+              <a:solidFill>
+                <a:schemeClr val="accent3">
+                  <a:lumMod val="75000"/>
+                </a:schemeClr>
+              </a:solidFill>
+            </a:endParaRPr>
+          </a:p>
+        </p:txBody>
+      </p:sp>
+      <p:sp>
+        <p:nvSpPr>
+          <p:cNvPr id="11" name="矩形 10"/>
+          <p:cNvSpPr/>
+          <p:nvPr/>
+        </p:nvSpPr>
+        <p:spPr>
+          <a:xfrm>
+            <a:off x="4139952" y="3356992"/>
+            <a:ext cx="1872208" cy="288032"/>
+          </a:xfrm>
+          <a:prstGeom prst="rect">
+            <a:avLst/>
+          </a:prstGeom>
+        </p:spPr>
+        <p:style>
+          <a:lnRef idx="2">
+            <a:schemeClr val="accent5"/>
+          </a:lnRef>
+          <a:fillRef idx="1">
+            <a:schemeClr val="lt1"/>
+          </a:fillRef>
+          <a:effectRef idx="0">
+            <a:schemeClr val="accent5"/>
+          </a:effectRef>
+          <a:fontRef idx="minor">
+            <a:schemeClr val="dk1"/>
+          </a:fontRef>
+        </p:style>
+        <p:txBody>
+          <a:bodyPr rtlCol="0" anchor="ctr"/>
+          <a:lstStyle/>
+          <a:p>
+            <a:pPr algn="ctr"/>
+            <a:r>
+              <a:rPr lang="en-US" altLang="zh-CN" sz="1000" dirty="0" smtClean="0">
+                <a:solidFill>
+                  <a:schemeClr val="tx1"/>
+                </a:solidFill>
+              </a:rPr>
+              <a:t>ActionProcessDead</a:t>
+            </a:r>
+            <a:endParaRPr lang="zh-CN" altLang="en-US" sz="1000" dirty="0">
+              <a:solidFill>
+                <a:schemeClr val="tx1"/>
+              </a:solidFill>
+            </a:endParaRPr>
+          </a:p>
+        </p:txBody>
+      </p:sp>
+      <p:sp>
+        <p:nvSpPr>
+          <p:cNvPr id="12" name="矩形 11"/>
+          <p:cNvSpPr/>
+          <p:nvPr/>
+        </p:nvSpPr>
+        <p:spPr>
+          <a:xfrm>
+            <a:off x="4139952" y="2780928"/>
+            <a:ext cx="1872208" cy="288032"/>
+          </a:xfrm>
+          <a:prstGeom prst="rect">
+            <a:avLst/>
+          </a:prstGeom>
+        </p:spPr>
+        <p:style>
+          <a:lnRef idx="2">
+            <a:schemeClr val="accent5"/>
+          </a:lnRef>
+          <a:fillRef idx="1">
+            <a:schemeClr val="lt1"/>
+          </a:fillRef>
+          <a:effectRef idx="0">
+            <a:schemeClr val="accent5"/>
+          </a:effectRef>
+          <a:fontRef idx="minor">
+            <a:schemeClr val="dk1"/>
+          </a:fontRef>
+        </p:style>
+        <p:txBody>
+          <a:bodyPr rtlCol="0" anchor="ctr"/>
+          <a:lstStyle/>
+          <a:p>
+            <a:pPr algn="ctr"/>
+            <a:r>
+              <a:rPr lang="en-US" altLang="zh-CN" sz="1000" dirty="0">
+                <a:solidFill>
+                  <a:schemeClr val="accent3">
+                    <a:lumMod val="75000"/>
+                  </a:schemeClr>
+                </a:solidFill>
+              </a:rPr>
+              <a:t>. . .</a:t>
+            </a:r>
+            <a:endParaRPr lang="zh-CN" altLang="en-US" sz="1000" dirty="0">
+              <a:solidFill>
+                <a:schemeClr val="accent3">
+                  <a:lumMod val="75000"/>
+                </a:schemeClr>
+              </a:solidFill>
+            </a:endParaRPr>
+          </a:p>
+        </p:txBody>
+      </p:sp>
+      <p:sp>
+        <p:nvSpPr>
+          <p:cNvPr id="13" name="矩形 12"/>
+          <p:cNvSpPr/>
+          <p:nvPr/>
+        </p:nvSpPr>
+        <p:spPr>
+          <a:xfrm>
+            <a:off x="4139952" y="548680"/>
+            <a:ext cx="1872208" cy="288032"/>
+          </a:xfrm>
+          <a:prstGeom prst="rect">
+            <a:avLst/>
+          </a:prstGeom>
+        </p:spPr>
+        <p:style>
+          <a:lnRef idx="2">
+            <a:schemeClr val="dk1"/>
+          </a:lnRef>
+          <a:fillRef idx="1">
+            <a:schemeClr val="lt1"/>
+          </a:fillRef>
+          <a:effectRef idx="0">
+            <a:schemeClr val="dk1"/>
+          </a:effectRef>
+          <a:fontRef idx="minor">
+            <a:schemeClr val="dk1"/>
+          </a:fontRef>
+        </p:style>
+        <p:txBody>
+          <a:bodyPr rtlCol="0" anchor="ctr"/>
+          <a:lstStyle/>
+          <a:p>
+            <a:pPr algn="ctr"/>
+            <a:r>
+              <a:rPr lang="en-US" altLang="zh-CN" sz="1000" dirty="0" smtClean="0">
+                <a:solidFill>
+                  <a:schemeClr val="tx1"/>
+                </a:solidFill>
+              </a:rPr>
+              <a:t>ActionProcessSkillPipelineBegin</a:t>
+            </a:r>
+            <a:endParaRPr lang="zh-CN" altLang="en-US" sz="1000" dirty="0">
+              <a:solidFill>
+                <a:schemeClr val="tx1"/>
+              </a:solidFill>
+            </a:endParaRPr>
+          </a:p>
+        </p:txBody>
+      </p:sp>
+      <p:sp>
+        <p:nvSpPr>
+          <p:cNvPr id="14" name="矩形 13"/>
+          <p:cNvSpPr/>
+          <p:nvPr/>
+        </p:nvSpPr>
+        <p:spPr>
+          <a:xfrm>
+            <a:off x="4139952" y="6525344"/>
+            <a:ext cx="1872208" cy="288032"/>
+          </a:xfrm>
+          <a:prstGeom prst="rect">
+            <a:avLst/>
+          </a:prstGeom>
+        </p:spPr>
+        <p:style>
+          <a:lnRef idx="2">
+            <a:schemeClr val="dk1"/>
+          </a:lnRef>
+          <a:fillRef idx="1">
+            <a:schemeClr val="lt1"/>
+          </a:fillRef>
+          <a:effectRef idx="0">
+            <a:schemeClr val="dk1"/>
+          </a:effectRef>
+          <a:fontRef idx="minor">
+            <a:schemeClr val="dk1"/>
+          </a:fontRef>
+        </p:style>
+        <p:txBody>
+          <a:bodyPr rtlCol="0" anchor="ctr"/>
+          <a:lstStyle/>
+          <a:p>
+            <a:pPr algn="ctr"/>
+            <a:r>
+              <a:rPr lang="en-US" altLang="zh-CN" sz="1000" dirty="0" smtClean="0">
+                <a:solidFill>
+                  <a:schemeClr val="tx1"/>
+                </a:solidFill>
+              </a:rPr>
+              <a:t>ActionProcessSkillPipelineEnd</a:t>
+            </a:r>
+            <a:endParaRPr lang="zh-CN" altLang="en-US" sz="1000" dirty="0">
+              <a:solidFill>
+                <a:schemeClr val="tx1"/>
+              </a:solidFill>
+            </a:endParaRPr>
+          </a:p>
+        </p:txBody>
+      </p:sp>
+      <p:sp>
+        <p:nvSpPr>
+          <p:cNvPr id="15" name="矩形 14"/>
+          <p:cNvSpPr/>
+          <p:nvPr/>
+        </p:nvSpPr>
+        <p:spPr>
+          <a:xfrm>
+            <a:off x="4139952" y="908720"/>
+            <a:ext cx="1872208" cy="288032"/>
+          </a:xfrm>
+          <a:prstGeom prst="rect">
+            <a:avLst/>
+          </a:prstGeom>
+        </p:spPr>
+        <p:style>
+          <a:lnRef idx="2">
+            <a:schemeClr val="accent1"/>
+          </a:lnRef>
+          <a:fillRef idx="1">
+            <a:schemeClr val="lt1"/>
+          </a:fillRef>
+          <a:effectRef idx="0">
+            <a:schemeClr val="accent1"/>
+          </a:effectRef>
+          <a:fontRef idx="minor">
+            <a:schemeClr val="dk1"/>
+          </a:fontRef>
+        </p:style>
+        <p:txBody>
+          <a:bodyPr rtlCol="0" anchor="ctr"/>
+          <a:lstStyle/>
+          <a:p>
+            <a:pPr algn="ctr"/>
+            <a:r>
+              <a:rPr lang="en-US" altLang="zh-CN" sz="1000" dirty="0" smtClean="0">
+                <a:solidFill>
+                  <a:schemeClr val="tx1"/>
+                </a:solidFill>
+              </a:rPr>
+              <a:t>ActionProcessAssistDefense</a:t>
+            </a:r>
+            <a:endParaRPr lang="zh-CN" altLang="en-US" sz="1000" dirty="0">
+              <a:solidFill>
+                <a:schemeClr val="tx1"/>
+              </a:solidFill>
+            </a:endParaRPr>
+          </a:p>
+        </p:txBody>
+      </p:sp>
+      <p:sp>
+        <p:nvSpPr>
+          <p:cNvPr id="16" name="矩形 15"/>
+          <p:cNvSpPr/>
+          <p:nvPr/>
+        </p:nvSpPr>
+        <p:spPr>
+          <a:xfrm>
+            <a:off x="4139952" y="1628800"/>
+            <a:ext cx="1872208" cy="288032"/>
+          </a:xfrm>
+          <a:prstGeom prst="rect">
+            <a:avLst/>
+          </a:prstGeom>
+        </p:spPr>
+        <p:style>
+          <a:lnRef idx="2">
+            <a:schemeClr val="accent3"/>
+          </a:lnRef>
+          <a:fillRef idx="1">
+            <a:schemeClr val="lt1"/>
+          </a:fillRef>
+          <a:effectRef idx="0">
+            <a:schemeClr val="accent3"/>
+          </a:effectRef>
+          <a:fontRef idx="minor">
+            <a:schemeClr val="dk1"/>
+          </a:fontRef>
+        </p:style>
+        <p:txBody>
+          <a:bodyPr rtlCol="0" anchor="ctr"/>
+          <a:lstStyle/>
+          <a:p>
+            <a:pPr algn="ctr"/>
+            <a:r>
+              <a:rPr lang="en-US" altLang="zh-CN" sz="1000" dirty="0" smtClean="0">
+                <a:solidFill>
+                  <a:schemeClr val="tx1"/>
+                </a:solidFill>
+              </a:rPr>
+              <a:t>ActionProcessAttachBuf</a:t>
+            </a:r>
+            <a:endParaRPr lang="zh-CN" altLang="en-US" sz="1000" dirty="0">
+              <a:solidFill>
+                <a:schemeClr val="tx1"/>
+              </a:solidFill>
+            </a:endParaRPr>
+          </a:p>
+        </p:txBody>
+      </p:sp>
+      <p:sp>
+        <p:nvSpPr>
+          <p:cNvPr id="17" name="云形标注 16"/>
+          <p:cNvSpPr/>
+          <p:nvPr/>
+        </p:nvSpPr>
+        <p:spPr>
+          <a:xfrm>
+            <a:off x="5868144" y="1196752"/>
+            <a:ext cx="936104" cy="396044"/>
+          </a:xfrm>
+          <a:prstGeom prst="cloudCallout">
+            <a:avLst/>
+          </a:prstGeom>
+          <a:solidFill>
+            <a:schemeClr val="bg1"/>
+          </a:solidFill>
+          <a:ln w="12700">
+            <a:solidFill>
+              <a:srgbClr val="00B050"/>
+            </a:solidFill>
+          </a:ln>
+        </p:spPr>
+        <p:style>
+          <a:lnRef idx="2">
+            <a:schemeClr val="accent1">
+              <a:shade val="50000"/>
+            </a:schemeClr>
+          </a:lnRef>
+          <a:fillRef idx="1">
+            <a:schemeClr val="accent1"/>
+          </a:fillRef>
+          <a:effectRef idx="0">
+            <a:schemeClr val="accent1"/>
+          </a:effectRef>
+          <a:fontRef idx="minor">
+            <a:schemeClr val="lt1"/>
+          </a:fontRef>
+        </p:style>
+        <p:txBody>
+          <a:bodyPr rtlCol="0" anchor="ctr"/>
+          <a:lstStyle/>
+          <a:p>
+            <a:pPr algn="ctr"/>
+            <a:endParaRPr lang="zh-CN" altLang="en-US"/>
+          </a:p>
+        </p:txBody>
+      </p:sp>
+      <p:sp>
+        <p:nvSpPr>
+          <p:cNvPr id="18" name="文本框 17"/>
+          <p:cNvSpPr txBox="1"/>
+          <p:nvPr/>
+        </p:nvSpPr>
+        <p:spPr>
+          <a:xfrm>
+            <a:off x="6012160" y="1196752"/>
+            <a:ext cx="752246" cy="338554"/>
+          </a:xfrm>
+          <a:prstGeom prst="rect">
+            <a:avLst/>
+          </a:prstGeom>
+          <a:noFill/>
+        </p:spPr>
+        <p:txBody>
+          <a:bodyPr wrap="square" rtlCol="0">
+            <a:spAutoFit/>
+          </a:bodyPr>
+          <a:lstStyle/>
+          <a:p>
+            <a:r>
+              <a:rPr lang="zh-CN" altLang="en-US" sz="800" dirty="0" smtClean="0"/>
+              <a:t>技能攻击前上配置的</a:t>
+            </a:r>
+            <a:r>
+              <a:rPr lang="en-US" altLang="zh-CN" sz="800" dirty="0" smtClean="0"/>
+              <a:t>buf</a:t>
+            </a:r>
+            <a:endParaRPr lang="zh-CN" altLang="en-US" sz="800" dirty="0"/>
+          </a:p>
+        </p:txBody>
+      </p:sp>
+      <p:sp>
+        <p:nvSpPr>
+          <p:cNvPr id="19" name="云形标注 18"/>
+          <p:cNvSpPr/>
+          <p:nvPr/>
+        </p:nvSpPr>
+        <p:spPr>
+          <a:xfrm>
+            <a:off x="6084168" y="1772816"/>
+            <a:ext cx="936104" cy="396044"/>
+          </a:xfrm>
+          <a:prstGeom prst="cloudCallout">
+            <a:avLst/>
+          </a:prstGeom>
+          <a:solidFill>
+            <a:schemeClr val="bg1"/>
+          </a:solidFill>
+          <a:ln w="12700">
+            <a:solidFill>
+              <a:srgbClr val="00B050"/>
+            </a:solidFill>
+          </a:ln>
+        </p:spPr>
+        <p:style>
+          <a:lnRef idx="2">
+            <a:schemeClr val="accent1">
+              <a:shade val="50000"/>
+            </a:schemeClr>
+          </a:lnRef>
+          <a:fillRef idx="1">
+            <a:schemeClr val="accent1"/>
+          </a:fillRef>
+          <a:effectRef idx="0">
+            <a:schemeClr val="accent1"/>
+          </a:effectRef>
+          <a:fontRef idx="minor">
+            <a:schemeClr val="lt1"/>
+          </a:fontRef>
+        </p:style>
+        <p:txBody>
+          <a:bodyPr rtlCol="0" anchor="ctr"/>
+          <a:lstStyle/>
+          <a:p>
+            <a:pPr algn="ctr"/>
+            <a:endParaRPr lang="zh-CN" altLang="en-US"/>
+          </a:p>
+        </p:txBody>
+      </p:sp>
+      <p:sp>
+        <p:nvSpPr>
+          <p:cNvPr id="20" name="文本框 19"/>
+          <p:cNvSpPr txBox="1"/>
+          <p:nvPr/>
+        </p:nvSpPr>
+        <p:spPr>
+          <a:xfrm>
+            <a:off x="6228184" y="1772816"/>
+            <a:ext cx="752246" cy="338554"/>
+          </a:xfrm>
+          <a:prstGeom prst="rect">
+            <a:avLst/>
+          </a:prstGeom>
+          <a:noFill/>
+        </p:spPr>
+        <p:txBody>
+          <a:bodyPr wrap="square" rtlCol="0">
+            <a:spAutoFit/>
+          </a:bodyPr>
+          <a:lstStyle/>
+          <a:p>
+            <a:r>
+              <a:rPr lang="zh-CN" altLang="en-US" sz="800" dirty="0" smtClean="0"/>
+              <a:t>攻击目标</a:t>
+            </a:r>
+            <a:r>
+              <a:rPr lang="en-US" altLang="zh-CN" sz="800" dirty="0" smtClean="0"/>
+              <a:t>process</a:t>
+            </a:r>
+            <a:r>
+              <a:rPr lang="zh-CN" altLang="en-US" sz="800" dirty="0" smtClean="0"/>
+              <a:t>生成</a:t>
+            </a:r>
+            <a:endParaRPr lang="zh-CN" altLang="en-US" sz="800" dirty="0"/>
+          </a:p>
+        </p:txBody>
+      </p:sp>
+      <p:sp>
+        <p:nvSpPr>
+          <p:cNvPr id="21" name="右大括号 20"/>
+          <p:cNvSpPr/>
+          <p:nvPr/>
+        </p:nvSpPr>
+        <p:spPr>
+          <a:xfrm>
+            <a:off x="6012160" y="2492896"/>
+            <a:ext cx="360040" cy="1152128"/>
+          </a:xfrm>
+          <a:prstGeom prst="rightBrace">
+            <a:avLst/>
+          </a:prstGeom>
+          <a:ln cap="sq">
+            <a:solidFill>
+              <a:schemeClr val="accent2">
+                <a:lumMod val="40000"/>
+                <a:lumOff val="60000"/>
+              </a:schemeClr>
+            </a:solidFill>
+          </a:ln>
+        </p:spPr>
+        <p:style>
+          <a:lnRef idx="1">
+            <a:schemeClr val="accent1"/>
+          </a:lnRef>
+          <a:fillRef idx="0">
+            <a:schemeClr val="accent1"/>
+          </a:fillRef>
+          <a:effectRef idx="0">
+            <a:schemeClr val="accent1"/>
+          </a:effectRef>
+          <a:fontRef idx="minor">
+            <a:schemeClr val="tx1"/>
+          </a:fontRef>
+        </p:style>
+        <p:txBody>
+          <a:bodyPr rtlCol="0" anchor="ctr"/>
+          <a:lstStyle/>
+          <a:p>
+            <a:pPr algn="ctr"/>
+            <a:endParaRPr lang="zh-CN" altLang="en-US"/>
+          </a:p>
+        </p:txBody>
+      </p:sp>
+      <p:sp>
+        <p:nvSpPr>
+          <p:cNvPr id="22" name="云形标注 21"/>
+          <p:cNvSpPr/>
+          <p:nvPr/>
+        </p:nvSpPr>
+        <p:spPr>
+          <a:xfrm>
+            <a:off x="6228184" y="2600908"/>
+            <a:ext cx="936104" cy="396044"/>
+          </a:xfrm>
+          <a:prstGeom prst="cloudCallout">
+            <a:avLst/>
+          </a:prstGeom>
+          <a:solidFill>
+            <a:schemeClr val="bg1"/>
+          </a:solidFill>
+          <a:ln w="12700">
+            <a:solidFill>
+              <a:srgbClr val="00B050"/>
+            </a:solidFill>
+          </a:ln>
+        </p:spPr>
+        <p:style>
+          <a:lnRef idx="2">
+            <a:schemeClr val="accent1">
+              <a:shade val="50000"/>
+            </a:schemeClr>
+          </a:lnRef>
+          <a:fillRef idx="1">
+            <a:schemeClr val="accent1"/>
+          </a:fillRef>
+          <a:effectRef idx="0">
+            <a:schemeClr val="accent1"/>
+          </a:effectRef>
+          <a:fontRef idx="minor">
+            <a:schemeClr val="lt1"/>
+          </a:fontRef>
+        </p:style>
+        <p:txBody>
+          <a:bodyPr rtlCol="0" anchor="ctr"/>
+          <a:lstStyle/>
+          <a:p>
+            <a:pPr algn="ctr"/>
+            <a:endParaRPr lang="zh-CN" altLang="en-US"/>
+          </a:p>
+        </p:txBody>
+      </p:sp>
+      <p:sp>
+        <p:nvSpPr>
+          <p:cNvPr id="23" name="文本框 22"/>
+          <p:cNvSpPr txBox="1"/>
+          <p:nvPr/>
+        </p:nvSpPr>
+        <p:spPr>
+          <a:xfrm>
+            <a:off x="6372200" y="2600908"/>
+            <a:ext cx="752246" cy="338554"/>
+          </a:xfrm>
+          <a:prstGeom prst="rect">
+            <a:avLst/>
+          </a:prstGeom>
+          <a:noFill/>
+        </p:spPr>
+        <p:txBody>
+          <a:bodyPr wrap="square" rtlCol="0">
+            <a:spAutoFit/>
+          </a:bodyPr>
+          <a:lstStyle/>
+          <a:p>
+            <a:r>
+              <a:rPr lang="zh-CN" altLang="en-US" sz="800" dirty="0" smtClean="0"/>
+              <a:t>执行攻击过程</a:t>
+            </a:r>
+            <a:r>
+              <a:rPr lang="en-US" altLang="zh-CN" sz="800" dirty="0" smtClean="0"/>
+              <a:t>【</a:t>
+            </a:r>
+            <a:r>
+              <a:rPr lang="zh-CN" altLang="en-US" sz="800" dirty="0" smtClean="0"/>
+              <a:t>循环</a:t>
+            </a:r>
+            <a:r>
+              <a:rPr lang="en-US" altLang="zh-CN" sz="800" dirty="0" smtClean="0"/>
+              <a:t>】</a:t>
+            </a:r>
+            <a:endParaRPr lang="zh-CN" altLang="en-US" sz="800" dirty="0"/>
+          </a:p>
+        </p:txBody>
+      </p:sp>
+      <p:sp>
+        <p:nvSpPr>
+          <p:cNvPr id="24" name="右大括号 23"/>
+          <p:cNvSpPr/>
+          <p:nvPr/>
+        </p:nvSpPr>
+        <p:spPr>
+          <a:xfrm>
+            <a:off x="7236296" y="1340768"/>
+            <a:ext cx="288032" cy="2880320"/>
+          </a:xfrm>
+          <a:prstGeom prst="rightBrace">
+            <a:avLst>
+              <a:gd name="adj1" fmla="val 0"/>
+              <a:gd name="adj2" fmla="val 50000"/>
+            </a:avLst>
+          </a:prstGeom>
+          <a:ln cap="sq">
+            <a:solidFill>
+              <a:schemeClr val="accent2">
+                <a:lumMod val="40000"/>
+                <a:lumOff val="60000"/>
+              </a:schemeClr>
+            </a:solidFill>
+            <a:round/>
+          </a:ln>
+        </p:spPr>
+        <p:style>
+          <a:lnRef idx="1">
+            <a:schemeClr val="accent1"/>
+          </a:lnRef>
+          <a:fillRef idx="0">
+            <a:schemeClr val="accent1"/>
+          </a:fillRef>
+          <a:effectRef idx="0">
+            <a:schemeClr val="accent1"/>
+          </a:effectRef>
+          <a:fontRef idx="minor">
+            <a:schemeClr val="tx1"/>
+          </a:fontRef>
+        </p:style>
+        <p:txBody>
+          <a:bodyPr rtlCol="0" anchor="ctr"/>
+          <a:lstStyle/>
+          <a:p>
+            <a:pPr algn="ctr"/>
+            <a:endParaRPr lang="zh-CN" altLang="en-US"/>
+          </a:p>
+        </p:txBody>
+      </p:sp>
+      <p:sp>
+        <p:nvSpPr>
+          <p:cNvPr id="25" name="文本框 24"/>
+          <p:cNvSpPr txBox="1"/>
+          <p:nvPr/>
+        </p:nvSpPr>
+        <p:spPr>
+          <a:xfrm>
+            <a:off x="7492162" y="2564904"/>
+            <a:ext cx="752246" cy="338554"/>
+          </a:xfrm>
+          <a:prstGeom prst="rect">
+            <a:avLst/>
+          </a:prstGeom>
+          <a:noFill/>
+        </p:spPr>
+        <p:txBody>
+          <a:bodyPr wrap="square" rtlCol="0">
+            <a:spAutoFit/>
+          </a:bodyPr>
+          <a:lstStyle/>
+          <a:p>
+            <a:r>
+              <a:rPr lang="zh-CN" altLang="en-US" sz="800" dirty="0" smtClean="0"/>
+              <a:t>技能攻击阶段处理</a:t>
+            </a:r>
+            <a:endParaRPr lang="zh-CN" altLang="en-US" sz="800" dirty="0"/>
+          </a:p>
+        </p:txBody>
+      </p:sp>
+      <p:sp>
+        <p:nvSpPr>
+          <p:cNvPr id="26" name="矩形 25"/>
+          <p:cNvSpPr/>
+          <p:nvPr/>
+        </p:nvSpPr>
+        <p:spPr>
+          <a:xfrm>
+            <a:off x="4139952" y="4509120"/>
+            <a:ext cx="1872208" cy="288032"/>
+          </a:xfrm>
+          <a:prstGeom prst="rect">
+            <a:avLst/>
+          </a:prstGeom>
+        </p:spPr>
+        <p:style>
+          <a:lnRef idx="2">
+            <a:schemeClr val="accent1"/>
+          </a:lnRef>
+          <a:fillRef idx="1">
+            <a:schemeClr val="lt1"/>
+          </a:fillRef>
+          <a:effectRef idx="0">
+            <a:schemeClr val="accent1"/>
+          </a:effectRef>
+          <a:fontRef idx="minor">
+            <a:schemeClr val="dk1"/>
+          </a:fontRef>
+        </p:style>
+        <p:txBody>
+          <a:bodyPr rtlCol="0" anchor="ctr"/>
+          <a:lstStyle/>
+          <a:p>
+            <a:pPr algn="ctr"/>
+            <a:r>
+              <a:rPr lang="en-US" altLang="zh-CN" sz="1000" dirty="0" smtClean="0">
+                <a:solidFill>
+                  <a:schemeClr val="tx1"/>
+                </a:solidFill>
+              </a:rPr>
+              <a:t>Link</a:t>
+            </a:r>
+            <a:r>
+              <a:rPr lang="zh-CN" altLang="en-US" sz="1000" dirty="0" smtClean="0">
+                <a:solidFill>
+                  <a:schemeClr val="tx1"/>
+                </a:solidFill>
+              </a:rPr>
+              <a:t>攻击逻辑</a:t>
+            </a:r>
+            <a:endParaRPr lang="zh-CN" altLang="en-US" sz="1000" dirty="0">
+              <a:solidFill>
+                <a:schemeClr val="tx1"/>
+              </a:solidFill>
+            </a:endParaRPr>
+          </a:p>
+        </p:txBody>
+      </p:sp>
+      <p:sp>
+        <p:nvSpPr>
+          <p:cNvPr id="27" name="矩形 26"/>
+          <p:cNvSpPr/>
+          <p:nvPr/>
+        </p:nvSpPr>
+        <p:spPr>
+          <a:xfrm>
+            <a:off x="4139952" y="4797152"/>
+            <a:ext cx="1872208" cy="288032"/>
+          </a:xfrm>
+          <a:prstGeom prst="rect">
+            <a:avLst/>
+          </a:prstGeom>
+        </p:spPr>
+        <p:style>
+          <a:lnRef idx="2">
+            <a:schemeClr val="accent1"/>
+          </a:lnRef>
+          <a:fillRef idx="1">
+            <a:schemeClr val="lt1"/>
+          </a:fillRef>
+          <a:effectRef idx="0">
+            <a:schemeClr val="accent1"/>
+          </a:effectRef>
+          <a:fontRef idx="minor">
+            <a:schemeClr val="dk1"/>
+          </a:fontRef>
+        </p:style>
+        <p:txBody>
+          <a:bodyPr rtlCol="0" anchor="ctr"/>
+          <a:lstStyle/>
+          <a:p>
+            <a:pPr algn="ctr"/>
+            <a:r>
+              <a:rPr lang="zh-CN" altLang="en-US" sz="1000" dirty="0">
+                <a:solidFill>
+                  <a:schemeClr val="tx1"/>
+                </a:solidFill>
+              </a:rPr>
+              <a:t>二</a:t>
+            </a:r>
+            <a:r>
+              <a:rPr lang="zh-CN" altLang="en-US" sz="1000" dirty="0" smtClean="0">
+                <a:solidFill>
+                  <a:schemeClr val="tx1"/>
+                </a:solidFill>
+              </a:rPr>
+              <a:t>次索敌逻辑</a:t>
+            </a:r>
+            <a:endParaRPr lang="zh-CN" altLang="en-US" sz="1000" dirty="0">
+              <a:solidFill>
+                <a:schemeClr val="tx1"/>
+              </a:solidFill>
+            </a:endParaRPr>
+          </a:p>
+        </p:txBody>
+      </p:sp>
+      <p:sp>
+        <p:nvSpPr>
+          <p:cNvPr id="28" name="矩形 27"/>
+          <p:cNvSpPr/>
+          <p:nvPr/>
+        </p:nvSpPr>
+        <p:spPr>
+          <a:xfrm>
+            <a:off x="4139952" y="5085184"/>
+            <a:ext cx="1872208" cy="288032"/>
+          </a:xfrm>
+          <a:prstGeom prst="rect">
+            <a:avLst/>
+          </a:prstGeom>
+        </p:spPr>
+        <p:style>
+          <a:lnRef idx="2">
+            <a:schemeClr val="accent1"/>
+          </a:lnRef>
+          <a:fillRef idx="1">
+            <a:schemeClr val="lt1"/>
+          </a:fillRef>
+          <a:effectRef idx="0">
+            <a:schemeClr val="accent1"/>
+          </a:effectRef>
+          <a:fontRef idx="minor">
+            <a:schemeClr val="dk1"/>
+          </a:fontRef>
+        </p:style>
+        <p:txBody>
+          <a:bodyPr rtlCol="0" anchor="ctr"/>
+          <a:lstStyle/>
+          <a:p>
+            <a:pPr algn="ctr"/>
+            <a:r>
+              <a:rPr lang="zh-CN" altLang="en-US" sz="1000" dirty="0" smtClean="0">
+                <a:solidFill>
+                  <a:schemeClr val="tx1"/>
+                </a:solidFill>
+              </a:rPr>
+              <a:t>再次攻击逻辑</a:t>
+            </a:r>
+            <a:endParaRPr lang="zh-CN" altLang="en-US" sz="1000" dirty="0">
+              <a:solidFill>
+                <a:schemeClr val="tx1"/>
+              </a:solidFill>
+            </a:endParaRPr>
+          </a:p>
+        </p:txBody>
+      </p:sp>
+      <p:sp>
+        <p:nvSpPr>
+          <p:cNvPr id="29" name="矩形 28"/>
+          <p:cNvSpPr/>
+          <p:nvPr/>
+        </p:nvSpPr>
+        <p:spPr>
+          <a:xfrm>
+            <a:off x="4139952" y="5373216"/>
+            <a:ext cx="1872208" cy="288032"/>
+          </a:xfrm>
+          <a:prstGeom prst="rect">
+            <a:avLst/>
+          </a:prstGeom>
+        </p:spPr>
+        <p:style>
+          <a:lnRef idx="2">
+            <a:schemeClr val="accent1"/>
+          </a:lnRef>
+          <a:fillRef idx="1">
+            <a:schemeClr val="lt1"/>
+          </a:fillRef>
+          <a:effectRef idx="0">
+            <a:schemeClr val="accent1"/>
+          </a:effectRef>
+          <a:fontRef idx="minor">
+            <a:schemeClr val="dk1"/>
+          </a:fontRef>
+        </p:style>
+        <p:txBody>
+          <a:bodyPr rtlCol="0" anchor="ctr"/>
+          <a:lstStyle/>
+          <a:p>
+            <a:pPr algn="ctr"/>
+            <a:r>
+              <a:rPr lang="zh-CN" altLang="en-US" sz="1000" dirty="0" smtClean="0">
+                <a:solidFill>
+                  <a:schemeClr val="tx1"/>
+                </a:solidFill>
+              </a:rPr>
+              <a:t>执行反击流程逻辑</a:t>
+            </a:r>
+            <a:endParaRPr lang="zh-CN" altLang="en-US" sz="1000" dirty="0">
+              <a:solidFill>
+                <a:schemeClr val="tx1"/>
+              </a:solidFill>
+            </a:endParaRPr>
+          </a:p>
+        </p:txBody>
+      </p:sp>
+      <p:sp>
+        <p:nvSpPr>
+          <p:cNvPr id="30" name="矩形 29"/>
+          <p:cNvSpPr/>
+          <p:nvPr/>
+        </p:nvSpPr>
+        <p:spPr>
+          <a:xfrm>
+            <a:off x="4139952" y="5661248"/>
+            <a:ext cx="1872208" cy="288032"/>
+          </a:xfrm>
+          <a:prstGeom prst="rect">
+            <a:avLst/>
+          </a:prstGeom>
+        </p:spPr>
+        <p:style>
+          <a:lnRef idx="2">
+            <a:schemeClr val="accent1"/>
+          </a:lnRef>
+          <a:fillRef idx="1">
+            <a:schemeClr val="lt1"/>
+          </a:fillRef>
+          <a:effectRef idx="0">
+            <a:schemeClr val="accent1"/>
+          </a:effectRef>
+          <a:fontRef idx="minor">
+            <a:schemeClr val="dk1"/>
+          </a:fontRef>
+        </p:style>
+        <p:txBody>
+          <a:bodyPr rtlCol="0" anchor="ctr"/>
+          <a:lstStyle/>
+          <a:p>
+            <a:pPr algn="ctr"/>
+            <a:r>
+              <a:rPr lang="en-US" altLang="zh-CN" sz="1000" dirty="0" smtClean="0">
+                <a:solidFill>
+                  <a:schemeClr val="tx1"/>
+                </a:solidFill>
+              </a:rPr>
+              <a:t>Attacker</a:t>
+            </a:r>
+            <a:r>
+              <a:rPr lang="zh-CN" altLang="en-US" sz="1000" dirty="0" smtClean="0">
+                <a:solidFill>
+                  <a:schemeClr val="tx1"/>
+                </a:solidFill>
+              </a:rPr>
+              <a:t>追击流程逻辑</a:t>
+            </a:r>
+            <a:endParaRPr lang="zh-CN" altLang="en-US" sz="1000" dirty="0">
+              <a:solidFill>
+                <a:schemeClr val="tx1"/>
+              </a:solidFill>
+            </a:endParaRPr>
+          </a:p>
+        </p:txBody>
+      </p:sp>
+      <p:sp>
+        <p:nvSpPr>
+          <p:cNvPr id="31" name="矩形 30"/>
+          <p:cNvSpPr/>
+          <p:nvPr/>
+        </p:nvSpPr>
+        <p:spPr>
+          <a:xfrm>
+            <a:off x="4139952" y="5949280"/>
+            <a:ext cx="1872208" cy="288032"/>
+          </a:xfrm>
+          <a:prstGeom prst="rect">
+            <a:avLst/>
+          </a:prstGeom>
+        </p:spPr>
+        <p:style>
+          <a:lnRef idx="2">
+            <a:schemeClr val="accent1"/>
+          </a:lnRef>
+          <a:fillRef idx="1">
+            <a:schemeClr val="lt1"/>
+          </a:fillRef>
+          <a:effectRef idx="0">
+            <a:schemeClr val="accent1"/>
+          </a:effectRef>
+          <a:fontRef idx="minor">
+            <a:schemeClr val="dk1"/>
+          </a:fontRef>
+        </p:style>
+        <p:txBody>
+          <a:bodyPr rtlCol="0" anchor="ctr"/>
+          <a:lstStyle/>
+          <a:p>
+            <a:pPr algn="ctr"/>
+            <a:r>
+              <a:rPr lang="en-US" altLang="zh-CN" sz="1000" dirty="0" smtClean="0">
+                <a:solidFill>
+                  <a:schemeClr val="tx1"/>
+                </a:solidFill>
+              </a:rPr>
+              <a:t>Defender</a:t>
+            </a:r>
+            <a:r>
+              <a:rPr lang="zh-CN" altLang="en-US" sz="1000" dirty="0" smtClean="0">
+                <a:solidFill>
+                  <a:schemeClr val="tx1"/>
+                </a:solidFill>
+              </a:rPr>
+              <a:t>追击流程逻辑</a:t>
+            </a:r>
+            <a:endParaRPr lang="zh-CN" altLang="en-US" sz="1000" dirty="0">
+              <a:solidFill>
+                <a:schemeClr val="tx1"/>
+              </a:solidFill>
+            </a:endParaRPr>
+          </a:p>
+        </p:txBody>
+      </p:sp>
+      <p:sp>
+        <p:nvSpPr>
+          <p:cNvPr id="37" name="文本框 36"/>
+          <p:cNvSpPr txBox="1"/>
+          <p:nvPr/>
+        </p:nvSpPr>
+        <p:spPr>
+          <a:xfrm>
+            <a:off x="179512" y="260648"/>
+            <a:ext cx="2304256" cy="369332"/>
+          </a:xfrm>
+          <a:prstGeom prst="rect">
+            <a:avLst/>
+          </a:prstGeom>
+          <a:ln>
+            <a:solidFill>
+              <a:schemeClr val="bg2">
+                <a:lumMod val="90000"/>
+              </a:schemeClr>
+            </a:solidFill>
+          </a:ln>
+        </p:spPr>
+        <p:style>
+          <a:lnRef idx="2">
+            <a:schemeClr val="accent6">
+              <a:shade val="50000"/>
+            </a:schemeClr>
+          </a:lnRef>
+          <a:fillRef idx="1">
+            <a:schemeClr val="accent6"/>
+          </a:fillRef>
+          <a:effectRef idx="0">
+            <a:schemeClr val="accent6"/>
+          </a:effectRef>
+          <a:fontRef idx="minor">
+            <a:schemeClr val="lt1"/>
+          </a:fontRef>
+        </p:style>
+        <p:txBody>
+          <a:bodyPr wrap="square" rtlCol="0">
+            <a:spAutoFit/>
+          </a:bodyPr>
+          <a:lstStyle/>
+          <a:p>
+            <a:r>
+              <a:rPr lang="zh-CN" altLang="en-US" dirty="0" smtClean="0"/>
+              <a:t>技能管线</a:t>
+            </a:r>
+            <a:endParaRPr lang="zh-CN" altLang="en-US" dirty="0"/>
+          </a:p>
+        </p:txBody>
+      </p:sp>
+    </p:spTree>
+    <p:extLst>
+      <p:ext uri="{BB962C8B-B14F-4D97-AF65-F5344CB8AC3E}">
+        <p14:creationId xmlns:p14="http://schemas.microsoft.com/office/powerpoint/2010/main" val="456330495"/>
+      </p:ext>
+    </p:extLst>
+  </p:cSld>
+  <p:clrMapOvr>
+    <a:masterClrMapping/>
+  </p:clrMapOvr>
+  <p:timing>
+    <p:tnLst>
+      <p:par>
+        <p:cTn id="1" dur="indefinite" restart="never" nodeType="tmRoot"/>
+      </p:par>
+    </p:tnLst>
+  </p:timing>
+</p:sld>
+</file>
+
+<file path=ppt/slides/slide8.xml><?xml version="1.0" encoding="utf-8"?>
+<p:sld xmlns:a="http://schemas.openxmlformats.org/drawingml/2006/main" xmlns:r="http://schemas.openxmlformats.org/officeDocument/2006/relationships" xmlns:p="http://schemas.openxmlformats.org/presentationml/2006/main">
+  <p:cSld>
+    <p:spTree>
+      <p:nvGrpSpPr>
+        <p:cNvPr id="1" name=""/>
+        <p:cNvGrpSpPr/>
+        <p:nvPr/>
+      </p:nvGrpSpPr>
+      <p:grpSpPr>
+        <a:xfrm>
+          <a:off x="0" y="0"/>
+          <a:ext cx="0" cy="0"/>
+          <a:chOff x="0" y="0"/>
+          <a:chExt cx="0" cy="0"/>
+        </a:xfrm>
+      </p:grpSpPr>
+    </p:spTree>
+    <p:extLst>
+      <p:ext uri="{BB962C8B-B14F-4D97-AF65-F5344CB8AC3E}">
+        <p14:creationId xmlns:p14="http://schemas.microsoft.com/office/powerpoint/2010/main" val="2342726323"/>
+      </p:ext>
+    </p:extLst>
+  </p:cSld>
+  <p:clrMapOvr>
+    <a:masterClrMapping/>
+  </p:clrMapOvr>
+  <p:timing>
+    <p:tnLst>
+      <p:par>
+        <p:cTn id="1" dur="indefinite" restart="never" nodeType="tmRoot"/>
+      </p:par>
+    </p:tnLst>
+  </p:timing>
 </p:sld>
 </file>
 
